--- a/docs/Презентация.pptx
+++ b/docs/Презентация.pptx
@@ -5,7 +5,7 @@
     <p:sldMasterId id="2147483648" r:id="rId1"/>
   </p:sldMasterIdLst>
   <p:notesMasterIdLst>
-    <p:notesMasterId r:id="rId8"/>
+    <p:notesMasterId r:id="rId17"/>
   </p:notesMasterIdLst>
   <p:sldIdLst>
     <p:sldId id="257" r:id="rId2"/>
@@ -14,6 +14,15 @@
     <p:sldId id="259" r:id="rId5"/>
     <p:sldId id="261" r:id="rId6"/>
     <p:sldId id="262" r:id="rId7"/>
+    <p:sldId id="264" r:id="rId8"/>
+    <p:sldId id="263" r:id="rId9"/>
+    <p:sldId id="265" r:id="rId10"/>
+    <p:sldId id="266" r:id="rId11"/>
+    <p:sldId id="267" r:id="rId12"/>
+    <p:sldId id="268" r:id="rId13"/>
+    <p:sldId id="269" r:id="rId14"/>
+    <p:sldId id="270" r:id="rId15"/>
+    <p:sldId id="271" r:id="rId16"/>
   </p:sldIdLst>
   <p:sldSz cx="12192000" cy="6858000"/>
   <p:notesSz cx="6858000" cy="9144000"/>
@@ -131,6 +140,714 @@
 </p:presentation>
 </file>
 
+<file path=ppt/charts/chart1.xml><?xml version="1.0" encoding="utf-8"?>
+<c:chartSpace xmlns:c="http://schemas.openxmlformats.org/drawingml/2006/chart" xmlns:a="http://schemas.openxmlformats.org/drawingml/2006/main" xmlns:r="http://schemas.openxmlformats.org/officeDocument/2006/relationships" xmlns:c16r2="http://schemas.microsoft.com/office/drawing/2015/06/chart">
+  <c:date1904 val="0"/>
+  <c:lang val="ru-RU"/>
+  <c:roundedCorners val="0"/>
+  <mc:AlternateContent xmlns:mc="http://schemas.openxmlformats.org/markup-compatibility/2006">
+    <mc:Choice xmlns:c14="http://schemas.microsoft.com/office/drawing/2007/8/2/chart" Requires="c14">
+      <c14:style val="102"/>
+    </mc:Choice>
+    <mc:Fallback>
+      <c:style val="2"/>
+    </mc:Fallback>
+  </mc:AlternateContent>
+  <c:chart>
+    <c:title>
+      <c:tx>
+        <c:rich>
+          <a:bodyPr rot="0" spcFirstLastPara="1" vertOverflow="ellipsis" vert="horz" wrap="square" anchor="ctr" anchorCtr="1"/>
+          <a:lstStyle/>
+          <a:p>
+            <a:pPr>
+              <a:defRPr sz="1400" b="0" i="0" u="none" strike="noStrike" kern="1200" spc="0" baseline="0">
+                <a:solidFill>
+                  <a:schemeClr val="tx1"/>
+                </a:solidFill>
+                <a:latin typeface="+mn-lt"/>
+                <a:ea typeface="+mn-ea"/>
+                <a:cs typeface="+mn-cs"/>
+              </a:defRPr>
+            </a:pPr>
+            <a:r>
+              <a:rPr lang="ru-RU">
+                <a:solidFill>
+                  <a:schemeClr val="tx1"/>
+                </a:solidFill>
+              </a:rPr>
+              <a:t>Время кластеризации в зависимости от количества слов в файле</a:t>
+            </a:r>
+            <a:r>
+              <a:rPr lang="ru-RU" baseline="0">
+                <a:solidFill>
+                  <a:schemeClr val="tx1"/>
+                </a:solidFill>
+              </a:rPr>
+              <a:t> </a:t>
+            </a:r>
+            <a:r>
+              <a:rPr lang="ru-RU">
+                <a:solidFill>
+                  <a:schemeClr val="tx1"/>
+                </a:solidFill>
+              </a:rPr>
+              <a:t>(степенная)</a:t>
+            </a:r>
+          </a:p>
+        </c:rich>
+      </c:tx>
+      <c:layout/>
+      <c:overlay val="0"/>
+      <c:spPr>
+        <a:noFill/>
+        <a:ln>
+          <a:noFill/>
+        </a:ln>
+        <a:effectLst/>
+      </c:spPr>
+    </c:title>
+    <c:autoTitleDeleted val="0"/>
+    <c:plotArea>
+      <c:layout>
+        <c:manualLayout>
+          <c:layoutTarget val="inner"/>
+          <c:xMode val="edge"/>
+          <c:yMode val="edge"/>
+          <c:x val="0.11276866148339"/>
+          <c:y val="0.23711604974611819"/>
+          <c:w val="0.85219113367527755"/>
+          <c:h val="0.527713959820443"/>
+        </c:manualLayout>
+      </c:layout>
+      <c:scatterChart>
+        <c:scatterStyle val="smoothMarker"/>
+        <c:varyColors val="0"/>
+        <c:ser>
+          <c:idx val="1"/>
+          <c:order val="0"/>
+          <c:tx>
+            <c:strRef>
+              <c:f>'Эксперимент 1'!$B$2</c:f>
+              <c:strCache>
+                <c:ptCount val="1"/>
+                <c:pt idx="0">
+                  <c:v>Время работы (мс)</c:v>
+                </c:pt>
+              </c:strCache>
+            </c:strRef>
+          </c:tx>
+          <c:xVal>
+            <c:numRef>
+              <c:f>'Эксперимент 1'!$A$3:$A$8</c:f>
+              <c:numCache>
+                <c:formatCode>General</c:formatCode>
+                <c:ptCount val="6"/>
+                <c:pt idx="0">
+                  <c:v>5000</c:v>
+                </c:pt>
+                <c:pt idx="1">
+                  <c:v>10000</c:v>
+                </c:pt>
+                <c:pt idx="2">
+                  <c:v>15000</c:v>
+                </c:pt>
+                <c:pt idx="3">
+                  <c:v>20000</c:v>
+                </c:pt>
+                <c:pt idx="4">
+                  <c:v>25000</c:v>
+                </c:pt>
+                <c:pt idx="5">
+                  <c:v>30000</c:v>
+                </c:pt>
+              </c:numCache>
+            </c:numRef>
+          </c:xVal>
+          <c:yVal>
+            <c:numRef>
+              <c:f>'Эксперимент 1'!$B$3:$B$8</c:f>
+              <c:numCache>
+                <c:formatCode>General</c:formatCode>
+                <c:ptCount val="6"/>
+                <c:pt idx="0">
+                  <c:v>2195.7199999999998</c:v>
+                </c:pt>
+                <c:pt idx="1">
+                  <c:v>2735.15</c:v>
+                </c:pt>
+                <c:pt idx="2">
+                  <c:v>3108.07</c:v>
+                </c:pt>
+                <c:pt idx="3">
+                  <c:v>3283.41</c:v>
+                </c:pt>
+                <c:pt idx="4">
+                  <c:v>3509.29</c:v>
+                </c:pt>
+                <c:pt idx="5">
+                  <c:v>3813.6</c:v>
+                </c:pt>
+              </c:numCache>
+            </c:numRef>
+          </c:yVal>
+          <c:smooth val="1"/>
+          <c:extLst>
+            <c:ext xmlns:c16="http://schemas.microsoft.com/office/drawing/2014/chart" uri="{C3380CC4-5D6E-409C-BE32-E72D297353CC}">
+              <c16:uniqueId val="{00000000-276D-49F7-9828-31E536D87481}"/>
+            </c:ext>
+          </c:extLst>
+        </c:ser>
+        <c:ser>
+          <c:idx val="0"/>
+          <c:order val="1"/>
+          <c:tx>
+            <c:strRef>
+              <c:f>'Эксперимент 1'!$B$2</c:f>
+              <c:strCache>
+                <c:ptCount val="1"/>
+                <c:pt idx="0">
+                  <c:v>Время работы (мс)</c:v>
+                </c:pt>
+              </c:strCache>
+            </c:strRef>
+          </c:tx>
+          <c:spPr>
+            <a:ln w="19050" cap="rnd">
+              <a:solidFill>
+                <a:schemeClr val="accent1"/>
+              </a:solidFill>
+              <a:round/>
+            </a:ln>
+            <a:effectLst/>
+          </c:spPr>
+          <c:marker>
+            <c:symbol val="circle"/>
+            <c:size val="5"/>
+            <c:spPr>
+              <a:solidFill>
+                <a:schemeClr val="accent1"/>
+              </a:solidFill>
+              <a:ln w="9525">
+                <a:solidFill>
+                  <a:schemeClr val="accent1"/>
+                </a:solidFill>
+              </a:ln>
+              <a:effectLst/>
+            </c:spPr>
+          </c:marker>
+          <c:trendline>
+            <c:spPr>
+              <a:ln w="19050" cap="rnd">
+                <a:solidFill>
+                  <a:schemeClr val="accent1"/>
+                </a:solidFill>
+                <a:prstDash val="sysDot"/>
+              </a:ln>
+              <a:effectLst/>
+            </c:spPr>
+            <c:trendlineType val="power"/>
+            <c:dispRSqr val="1"/>
+            <c:dispEq val="1"/>
+            <c:trendlineLbl>
+              <c:layout>
+                <c:manualLayout>
+                  <c:x val="-0.14567678238509871"/>
+                  <c:y val="0.27210133195967329"/>
+                </c:manualLayout>
+              </c:layout>
+              <c:numFmt formatCode="General" sourceLinked="0"/>
+              <c:spPr>
+                <a:noFill/>
+                <a:ln>
+                  <a:noFill/>
+                </a:ln>
+                <a:effectLst/>
+              </c:spPr>
+              <c:txPr>
+                <a:bodyPr rot="0" spcFirstLastPara="1" vertOverflow="ellipsis" vert="horz" wrap="square" anchor="ctr" anchorCtr="1"/>
+                <a:lstStyle/>
+                <a:p>
+                  <a:pPr>
+                    <a:defRPr sz="900" b="0" i="0" u="none" strike="noStrike" kern="1200" baseline="0">
+                      <a:solidFill>
+                        <a:schemeClr val="tx1">
+                          <a:lumMod val="65000"/>
+                          <a:lumOff val="35000"/>
+                        </a:schemeClr>
+                      </a:solidFill>
+                      <a:latin typeface="+mn-lt"/>
+                      <a:ea typeface="+mn-ea"/>
+                      <a:cs typeface="+mn-cs"/>
+                    </a:defRPr>
+                  </a:pPr>
+                  <a:endParaRPr lang="ru-RU"/>
+                </a:p>
+              </c:txPr>
+            </c:trendlineLbl>
+          </c:trendline>
+          <c:xVal>
+            <c:numRef>
+              <c:f>'Эксперимент 1'!$A$3:$A$8</c:f>
+              <c:numCache>
+                <c:formatCode>General</c:formatCode>
+                <c:ptCount val="6"/>
+                <c:pt idx="0">
+                  <c:v>5000</c:v>
+                </c:pt>
+                <c:pt idx="1">
+                  <c:v>10000</c:v>
+                </c:pt>
+                <c:pt idx="2">
+                  <c:v>15000</c:v>
+                </c:pt>
+                <c:pt idx="3">
+                  <c:v>20000</c:v>
+                </c:pt>
+                <c:pt idx="4">
+                  <c:v>25000</c:v>
+                </c:pt>
+                <c:pt idx="5">
+                  <c:v>30000</c:v>
+                </c:pt>
+              </c:numCache>
+            </c:numRef>
+          </c:xVal>
+          <c:yVal>
+            <c:numRef>
+              <c:f>'Эксперимент 1'!$B$3:$B$8</c:f>
+              <c:numCache>
+                <c:formatCode>General</c:formatCode>
+                <c:ptCount val="6"/>
+                <c:pt idx="0">
+                  <c:v>2195.7199999999998</c:v>
+                </c:pt>
+                <c:pt idx="1">
+                  <c:v>2735.15</c:v>
+                </c:pt>
+                <c:pt idx="2">
+                  <c:v>3108.07</c:v>
+                </c:pt>
+                <c:pt idx="3">
+                  <c:v>3283.41</c:v>
+                </c:pt>
+                <c:pt idx="4">
+                  <c:v>3509.29</c:v>
+                </c:pt>
+                <c:pt idx="5">
+                  <c:v>3813.6</c:v>
+                </c:pt>
+              </c:numCache>
+            </c:numRef>
+          </c:yVal>
+          <c:smooth val="1"/>
+          <c:extLst>
+            <c:ext xmlns:c16="http://schemas.microsoft.com/office/drawing/2014/chart" uri="{C3380CC4-5D6E-409C-BE32-E72D297353CC}">
+              <c16:uniqueId val="{00000001-276D-49F7-9828-31E536D87481}"/>
+            </c:ext>
+          </c:extLst>
+        </c:ser>
+        <c:dLbls>
+          <c:showLegendKey val="0"/>
+          <c:showVal val="0"/>
+          <c:showCatName val="0"/>
+          <c:showSerName val="0"/>
+          <c:showPercent val="0"/>
+          <c:showBubbleSize val="0"/>
+        </c:dLbls>
+        <c:axId val="1580225679"/>
+        <c:axId val="1580223183"/>
+      </c:scatterChart>
+      <c:valAx>
+        <c:axId val="1580225679"/>
+        <c:scaling>
+          <c:orientation val="minMax"/>
+        </c:scaling>
+        <c:delete val="0"/>
+        <c:axPos val="b"/>
+        <c:majorGridlines>
+          <c:spPr>
+            <a:ln w="9525" cap="flat" cmpd="sng" algn="ctr">
+              <a:solidFill>
+                <a:schemeClr val="tx1">
+                  <a:lumMod val="15000"/>
+                  <a:lumOff val="85000"/>
+                </a:schemeClr>
+              </a:solidFill>
+              <a:round/>
+            </a:ln>
+            <a:effectLst/>
+          </c:spPr>
+        </c:majorGridlines>
+        <c:numFmt formatCode="General" sourceLinked="1"/>
+        <c:majorTickMark val="none"/>
+        <c:minorTickMark val="none"/>
+        <c:tickLblPos val="nextTo"/>
+        <c:spPr>
+          <a:noFill/>
+          <a:ln w="9525" cap="flat" cmpd="sng" algn="ctr">
+            <a:solidFill>
+              <a:schemeClr val="tx1">
+                <a:lumMod val="25000"/>
+                <a:lumOff val="75000"/>
+              </a:schemeClr>
+            </a:solidFill>
+            <a:round/>
+          </a:ln>
+          <a:effectLst/>
+        </c:spPr>
+        <c:txPr>
+          <a:bodyPr rot="-60000000" spcFirstLastPara="1" vertOverflow="ellipsis" vert="horz" wrap="square" anchor="ctr" anchorCtr="1"/>
+          <a:lstStyle/>
+          <a:p>
+            <a:pPr>
+              <a:defRPr sz="900" b="0" i="0" u="none" strike="noStrike" kern="1200" baseline="0">
+                <a:solidFill>
+                  <a:schemeClr val="tx1">
+                    <a:lumMod val="65000"/>
+                    <a:lumOff val="35000"/>
+                  </a:schemeClr>
+                </a:solidFill>
+                <a:latin typeface="+mn-lt"/>
+                <a:ea typeface="+mn-ea"/>
+                <a:cs typeface="+mn-cs"/>
+              </a:defRPr>
+            </a:pPr>
+            <a:endParaRPr lang="ru-RU"/>
+          </a:p>
+        </c:txPr>
+        <c:crossAx val="1580223183"/>
+        <c:crosses val="autoZero"/>
+        <c:crossBetween val="midCat"/>
+      </c:valAx>
+      <c:valAx>
+        <c:axId val="1580223183"/>
+        <c:scaling>
+          <c:orientation val="minMax"/>
+        </c:scaling>
+        <c:delete val="0"/>
+        <c:axPos val="l"/>
+        <c:majorGridlines>
+          <c:spPr>
+            <a:ln w="9525" cap="flat" cmpd="sng" algn="ctr">
+              <a:solidFill>
+                <a:schemeClr val="tx1">
+                  <a:lumMod val="15000"/>
+                  <a:lumOff val="85000"/>
+                </a:schemeClr>
+              </a:solidFill>
+              <a:round/>
+            </a:ln>
+            <a:effectLst/>
+          </c:spPr>
+        </c:majorGridlines>
+        <c:numFmt formatCode="General" sourceLinked="1"/>
+        <c:majorTickMark val="none"/>
+        <c:minorTickMark val="none"/>
+        <c:tickLblPos val="nextTo"/>
+        <c:spPr>
+          <a:noFill/>
+          <a:ln w="9525" cap="flat" cmpd="sng" algn="ctr">
+            <a:solidFill>
+              <a:schemeClr val="tx1">
+                <a:lumMod val="25000"/>
+                <a:lumOff val="75000"/>
+              </a:schemeClr>
+            </a:solidFill>
+            <a:round/>
+          </a:ln>
+          <a:effectLst/>
+        </c:spPr>
+        <c:txPr>
+          <a:bodyPr rot="-60000000" spcFirstLastPara="1" vertOverflow="ellipsis" vert="horz" wrap="square" anchor="ctr" anchorCtr="1"/>
+          <a:lstStyle/>
+          <a:p>
+            <a:pPr>
+              <a:defRPr sz="900" b="0" i="0" u="none" strike="noStrike" kern="1200" baseline="0">
+                <a:solidFill>
+                  <a:schemeClr val="tx1">
+                    <a:lumMod val="65000"/>
+                    <a:lumOff val="35000"/>
+                  </a:schemeClr>
+                </a:solidFill>
+                <a:latin typeface="+mn-lt"/>
+                <a:ea typeface="+mn-ea"/>
+                <a:cs typeface="+mn-cs"/>
+              </a:defRPr>
+            </a:pPr>
+            <a:endParaRPr lang="ru-RU"/>
+          </a:p>
+        </c:txPr>
+        <c:crossAx val="1580225679"/>
+        <c:crosses val="autoZero"/>
+        <c:crossBetween val="midCat"/>
+      </c:valAx>
+    </c:plotArea>
+    <c:plotVisOnly val="1"/>
+    <c:dispBlanksAs val="gap"/>
+    <c:showDLblsOverMax val="0"/>
+  </c:chart>
+  <c:spPr>
+    <a:solidFill>
+      <a:schemeClr val="bg1">
+        <a:lumMod val="65000"/>
+      </a:schemeClr>
+    </a:solidFill>
+  </c:spPr>
+  <c:txPr>
+    <a:bodyPr/>
+    <a:lstStyle/>
+    <a:p>
+      <a:pPr>
+        <a:defRPr/>
+      </a:pPr>
+      <a:endParaRPr lang="ru-RU"/>
+    </a:p>
+  </c:txPr>
+  <c:externalData r:id="rId1">
+    <c:autoUpdate val="0"/>
+  </c:externalData>
+  <c:userShapes r:id="rId2"/>
+</c:chartSpace>
+</file>
+
+<file path=ppt/drawings/drawing1.xml><?xml version="1.0" encoding="utf-8"?>
+<c:userShapes xmlns:c="http://schemas.openxmlformats.org/drawingml/2006/chart">
+  <cdr:relSizeAnchor xmlns:cdr="http://schemas.openxmlformats.org/drawingml/2006/chartDrawing">
+    <cdr:from>
+      <cdr:x>0.01173</cdr:x>
+      <cdr:y>0.12312</cdr:y>
+    </cdr:from>
+    <cdr:to>
+      <cdr:x>0.05983</cdr:x>
+      <cdr:y>0.92211</cdr:y>
+    </cdr:to>
+    <cdr:sp macro="" textlink="">
+      <cdr:nvSpPr>
+        <cdr:cNvPr id="2" name="TextBox 1"/>
+        <cdr:cNvSpPr txBox="1"/>
+      </cdr:nvSpPr>
+      <cdr:spPr>
+        <a:xfrm xmlns:a="http://schemas.openxmlformats.org/drawingml/2006/main" rot="16200000">
+          <a:off x="-1223961" y="1785939"/>
+          <a:ext cx="3028950" cy="390525"/>
+        </a:xfrm>
+        <a:prstGeom xmlns:a="http://schemas.openxmlformats.org/drawingml/2006/main" prst="rect">
+          <a:avLst/>
+        </a:prstGeom>
+      </cdr:spPr>
+      <cdr:txBody>
+        <a:bodyPr xmlns:a="http://schemas.openxmlformats.org/drawingml/2006/main" vertOverflow="clip" wrap="none" rtlCol="0" anchor="ctr"/>
+        <a:lstStyle xmlns:a="http://schemas.openxmlformats.org/drawingml/2006/main"/>
+        <a:p xmlns:a="http://schemas.openxmlformats.org/drawingml/2006/main">
+          <a:pPr algn="ctr"/>
+          <a:r>
+            <a:rPr lang="ru-RU" sz="1100"/>
+            <a:t>Время </a:t>
+          </a:r>
+          <a:r>
+            <a:rPr lang="ru-RU" sz="1200"/>
+            <a:t>работы</a:t>
+          </a:r>
+          <a:r>
+            <a:rPr lang="ru-RU" sz="1100"/>
+            <a:t> (мс)</a:t>
+          </a:r>
+        </a:p>
+      </cdr:txBody>
+    </cdr:sp>
+  </cdr:relSizeAnchor>
+  <cdr:relSizeAnchor xmlns:cdr="http://schemas.openxmlformats.org/drawingml/2006/chartDrawing">
+    <cdr:from>
+      <cdr:x>0.11263</cdr:x>
+      <cdr:y>0.85714</cdr:y>
+    </cdr:from>
+    <cdr:to>
+      <cdr:x>0.96791</cdr:x>
+      <cdr:y>0.95584</cdr:y>
+    </cdr:to>
+    <cdr:sp macro="" textlink="">
+      <cdr:nvSpPr>
+        <cdr:cNvPr id="4" name="TextBox 3"/>
+        <cdr:cNvSpPr txBox="1"/>
+      </cdr:nvSpPr>
+      <cdr:spPr>
+        <a:xfrm xmlns:a="http://schemas.openxmlformats.org/drawingml/2006/main">
+          <a:off x="914400" y="3143250"/>
+          <a:ext cx="6943725" cy="361950"/>
+        </a:xfrm>
+        <a:prstGeom xmlns:a="http://schemas.openxmlformats.org/drawingml/2006/main" prst="rect">
+          <a:avLst/>
+        </a:prstGeom>
+      </cdr:spPr>
+      <cdr:txBody>
+        <a:bodyPr xmlns:a="http://schemas.openxmlformats.org/drawingml/2006/main" vertOverflow="clip" wrap="none" rtlCol="0" anchor="ctr"/>
+        <a:lstStyle xmlns:a="http://schemas.openxmlformats.org/drawingml/2006/main"/>
+        <a:p xmlns:a="http://schemas.openxmlformats.org/drawingml/2006/main">
+          <a:pPr marL="0" marR="0" indent="0" algn="ctr" defTabSz="914400" eaLnBrk="1" fontAlgn="auto" latinLnBrk="0" hangingPunct="1">
+            <a:lnSpc>
+              <a:spcPct val="100000"/>
+            </a:lnSpc>
+            <a:spcBef>
+              <a:spcPts val="0"/>
+            </a:spcBef>
+            <a:spcAft>
+              <a:spcPts val="0"/>
+            </a:spcAft>
+            <a:buClrTx/>
+            <a:buSzTx/>
+            <a:buFontTx/>
+            <a:buNone/>
+            <a:tabLst/>
+            <a:defRPr/>
+          </a:pPr>
+          <a:r>
+            <a:rPr lang="ru-RU" sz="1100">
+              <a:effectLst/>
+              <a:latin typeface="+mn-lt"/>
+              <a:ea typeface="+mn-ea"/>
+              <a:cs typeface="+mn-cs"/>
+            </a:rPr>
+            <a:t>Количество</a:t>
+          </a:r>
+          <a:r>
+            <a:rPr lang="ru-RU" sz="1100" baseline="0">
+              <a:effectLst/>
+              <a:latin typeface="+mn-lt"/>
+              <a:ea typeface="+mn-ea"/>
+              <a:cs typeface="+mn-cs"/>
+            </a:rPr>
+            <a:t> слов в файле</a:t>
+          </a:r>
+          <a:endParaRPr lang="ru-RU">
+            <a:effectLst/>
+          </a:endParaRPr>
+        </a:p>
+        <a:p xmlns:a="http://schemas.openxmlformats.org/drawingml/2006/main">
+          <a:endParaRPr lang="ru-RU" sz="1100"/>
+        </a:p>
+      </cdr:txBody>
+    </cdr:sp>
+  </cdr:relSizeAnchor>
+  <cdr:relSizeAnchor xmlns:cdr="http://schemas.openxmlformats.org/drawingml/2006/chartDrawing">
+    <cdr:from>
+      <cdr:x>0.01173</cdr:x>
+      <cdr:y>0.12312</cdr:y>
+    </cdr:from>
+    <cdr:to>
+      <cdr:x>0.05983</cdr:x>
+      <cdr:y>0.92211</cdr:y>
+    </cdr:to>
+    <cdr:sp macro="" textlink="">
+      <cdr:nvSpPr>
+        <cdr:cNvPr id="3" name="TextBox 1"/>
+        <cdr:cNvSpPr txBox="1"/>
+      </cdr:nvSpPr>
+      <cdr:spPr>
+        <a:xfrm xmlns:a="http://schemas.openxmlformats.org/drawingml/2006/main" rot="16200000">
+          <a:off x="-1223961" y="1785939"/>
+          <a:ext cx="3028950" cy="390525"/>
+        </a:xfrm>
+        <a:prstGeom xmlns:a="http://schemas.openxmlformats.org/drawingml/2006/main" prst="rect">
+          <a:avLst/>
+        </a:prstGeom>
+      </cdr:spPr>
+      <cdr:txBody>
+        <a:bodyPr xmlns:a="http://schemas.openxmlformats.org/drawingml/2006/main" vertOverflow="clip" wrap="none" rtlCol="0" anchor="ctr"/>
+        <a:lstStyle xmlns:a="http://schemas.openxmlformats.org/drawingml/2006/main"/>
+        <a:p xmlns:a="http://schemas.openxmlformats.org/drawingml/2006/main">
+          <a:pPr algn="ctr"/>
+          <a:r>
+            <a:rPr lang="ru-RU" sz="1100"/>
+            <a:t>Время </a:t>
+          </a:r>
+          <a:r>
+            <a:rPr lang="ru-RU" sz="1200"/>
+            <a:t>работы</a:t>
+          </a:r>
+          <a:r>
+            <a:rPr lang="ru-RU" sz="1100"/>
+            <a:t> (мс)</a:t>
+          </a:r>
+        </a:p>
+      </cdr:txBody>
+    </cdr:sp>
+  </cdr:relSizeAnchor>
+  <cdr:relSizeAnchor xmlns:cdr="http://schemas.openxmlformats.org/drawingml/2006/chartDrawing">
+    <cdr:from>
+      <cdr:x>0.11263</cdr:x>
+      <cdr:y>0.85714</cdr:y>
+    </cdr:from>
+    <cdr:to>
+      <cdr:x>0.96791</cdr:x>
+      <cdr:y>0.95584</cdr:y>
+    </cdr:to>
+    <cdr:sp macro="" textlink="">
+      <cdr:nvSpPr>
+        <cdr:cNvPr id="5" name="TextBox 3"/>
+        <cdr:cNvSpPr txBox="1"/>
+      </cdr:nvSpPr>
+      <cdr:spPr>
+        <a:xfrm xmlns:a="http://schemas.openxmlformats.org/drawingml/2006/main">
+          <a:off x="914400" y="3143250"/>
+          <a:ext cx="6943725" cy="361950"/>
+        </a:xfrm>
+        <a:prstGeom xmlns:a="http://schemas.openxmlformats.org/drawingml/2006/main" prst="rect">
+          <a:avLst/>
+        </a:prstGeom>
+      </cdr:spPr>
+      <cdr:txBody>
+        <a:bodyPr xmlns:a="http://schemas.openxmlformats.org/drawingml/2006/main" vertOverflow="clip" wrap="none" rtlCol="0" anchor="ctr"/>
+        <a:lstStyle xmlns:a="http://schemas.openxmlformats.org/drawingml/2006/main"/>
+        <a:p xmlns:a="http://schemas.openxmlformats.org/drawingml/2006/main">
+          <a:pPr marL="0" marR="0" indent="0" algn="ctr" defTabSz="914400" eaLnBrk="1" fontAlgn="auto" latinLnBrk="0" hangingPunct="1">
+            <a:lnSpc>
+              <a:spcPct val="100000"/>
+            </a:lnSpc>
+            <a:spcBef>
+              <a:spcPts val="0"/>
+            </a:spcBef>
+            <a:spcAft>
+              <a:spcPts val="0"/>
+            </a:spcAft>
+            <a:buClrTx/>
+            <a:buSzTx/>
+            <a:buFontTx/>
+            <a:buNone/>
+            <a:tabLst/>
+            <a:defRPr/>
+          </a:pPr>
+          <a:r>
+            <a:rPr lang="ru-RU" sz="1100">
+              <a:effectLst/>
+              <a:latin typeface="+mn-lt"/>
+              <a:ea typeface="+mn-ea"/>
+              <a:cs typeface="+mn-cs"/>
+            </a:rPr>
+            <a:t>Количество</a:t>
+          </a:r>
+          <a:r>
+            <a:rPr lang="ru-RU" sz="1100" baseline="0">
+              <a:effectLst/>
+              <a:latin typeface="+mn-lt"/>
+              <a:ea typeface="+mn-ea"/>
+              <a:cs typeface="+mn-cs"/>
+            </a:rPr>
+            <a:t> слов в файле</a:t>
+          </a:r>
+          <a:endParaRPr lang="ru-RU">
+            <a:effectLst/>
+          </a:endParaRPr>
+        </a:p>
+        <a:p xmlns:a="http://schemas.openxmlformats.org/drawingml/2006/main">
+          <a:endParaRPr lang="ru-RU" sz="1100"/>
+        </a:p>
+      </cdr:txBody>
+    </cdr:sp>
+  </cdr:relSizeAnchor>
+</c:userShapes>
+</file>
+
 <file path=ppt/notesMasters/notesMaster1.xml><?xml version="1.0" encoding="utf-8"?>
 <p:notesMaster xmlns:a="http://schemas.openxmlformats.org/drawingml/2006/main" xmlns:r="http://schemas.openxmlformats.org/officeDocument/2006/relationships" xmlns:p="http://schemas.openxmlformats.org/presentationml/2006/main">
   <p:cSld>
@@ -213,7 +930,7 @@
           <a:p>
             <a:fld id="{13948A98-F206-4B2A-B4FC-058B80366170}" type="datetimeFigureOut">
               <a:rPr lang="ru-RU" smtClean="0"/>
-              <a:t>14.06.2021</a:t>
+              <a:t>15.06.2021</a:t>
             </a:fld>
             <a:endParaRPr lang="ru-RU"/>
           </a:p>
@@ -612,7 +1329,7 @@
           <a:p>
             <a:fld id="{37A72455-36D1-45AB-AB64-6E28C094F672}" type="datetime1">
               <a:rPr lang="ru-RU" smtClean="0"/>
-              <a:t>14.06.2021</a:t>
+              <a:t>15.06.2021</a:t>
             </a:fld>
             <a:endParaRPr lang="ru-RU"/>
           </a:p>
@@ -782,7 +1499,7 @@
           <a:p>
             <a:fld id="{DA83C163-A235-4650-85AC-0E51E9142198}" type="datetime1">
               <a:rPr lang="ru-RU" smtClean="0"/>
-              <a:t>14.06.2021</a:t>
+              <a:t>15.06.2021</a:t>
             </a:fld>
             <a:endParaRPr lang="ru-RU"/>
           </a:p>
@@ -962,7 +1679,7 @@
           <a:p>
             <a:fld id="{0C11F5C6-5741-467F-8559-8590B93419DD}" type="datetime1">
               <a:rPr lang="ru-RU" smtClean="0"/>
-              <a:t>14.06.2021</a:t>
+              <a:t>15.06.2021</a:t>
             </a:fld>
             <a:endParaRPr lang="ru-RU"/>
           </a:p>
@@ -1132,7 +1849,7 @@
           <a:p>
             <a:fld id="{C55365E8-86F7-47BC-94A9-787B9E01F971}" type="datetime1">
               <a:rPr lang="ru-RU" smtClean="0"/>
-              <a:t>14.06.2021</a:t>
+              <a:t>15.06.2021</a:t>
             </a:fld>
             <a:endParaRPr lang="ru-RU"/>
           </a:p>
@@ -1378,7 +2095,7 @@
           <a:p>
             <a:fld id="{88C50D95-D560-411D-AA77-78F3C11895E7}" type="datetime1">
               <a:rPr lang="ru-RU" smtClean="0"/>
-              <a:t>14.06.2021</a:t>
+              <a:t>15.06.2021</a:t>
             </a:fld>
             <a:endParaRPr lang="ru-RU"/>
           </a:p>
@@ -1610,7 +2327,7 @@
           <a:p>
             <a:fld id="{C5A2705A-7459-4977-8345-EC510BD5A15F}" type="datetime1">
               <a:rPr lang="ru-RU" smtClean="0"/>
-              <a:t>14.06.2021</a:t>
+              <a:t>15.06.2021</a:t>
             </a:fld>
             <a:endParaRPr lang="ru-RU"/>
           </a:p>
@@ -1977,7 +2694,7 @@
           <a:p>
             <a:fld id="{512A00A6-D93D-4E6C-9BAD-EBB31E61943C}" type="datetime1">
               <a:rPr lang="ru-RU" smtClean="0"/>
-              <a:t>14.06.2021</a:t>
+              <a:t>15.06.2021</a:t>
             </a:fld>
             <a:endParaRPr lang="ru-RU"/>
           </a:p>
@@ -2095,7 +2812,7 @@
           <a:p>
             <a:fld id="{FD60AD28-AF5C-4158-90C4-449893E96BDC}" type="datetime1">
               <a:rPr lang="ru-RU" smtClean="0"/>
-              <a:t>14.06.2021</a:t>
+              <a:t>15.06.2021</a:t>
             </a:fld>
             <a:endParaRPr lang="ru-RU"/>
           </a:p>
@@ -2190,7 +2907,7 @@
           <a:p>
             <a:fld id="{F0C97E83-8DCE-446B-9FE3-BDA32A271672}" type="datetime1">
               <a:rPr lang="ru-RU" smtClean="0"/>
-              <a:t>14.06.2021</a:t>
+              <a:t>15.06.2021</a:t>
             </a:fld>
             <a:endParaRPr lang="ru-RU"/>
           </a:p>
@@ -2467,7 +3184,7 @@
           <a:p>
             <a:fld id="{22EF0C8B-0728-465A-B0E0-66F73F6F6D8A}" type="datetime1">
               <a:rPr lang="ru-RU" smtClean="0"/>
-              <a:t>14.06.2021</a:t>
+              <a:t>15.06.2021</a:t>
             </a:fld>
             <a:endParaRPr lang="ru-RU"/>
           </a:p>
@@ -2720,7 +3437,7 @@
           <a:p>
             <a:fld id="{15B5F9C5-23EA-4060-A2CA-FAF8EB4080BB}" type="datetime1">
               <a:rPr lang="ru-RU" smtClean="0"/>
-              <a:t>14.06.2021</a:t>
+              <a:t>15.06.2021</a:t>
             </a:fld>
             <a:endParaRPr lang="ru-RU"/>
           </a:p>
@@ -2933,7 +3650,7 @@
           <a:p>
             <a:fld id="{FC737BE1-8460-494A-B356-20C024961DE7}" type="datetime1">
               <a:rPr lang="ru-RU" smtClean="0"/>
-              <a:t>14.06.2021</a:t>
+              <a:t>15.06.2021</a:t>
             </a:fld>
             <a:endParaRPr lang="ru-RU"/>
           </a:p>
@@ -3562,15 +4279,6 @@
               </a:rPr>
               <a:t>:</a:t>
             </a:r>
-            <a:endParaRPr lang="en-US" sz="2800" dirty="0" smtClean="0">
-              <a:solidFill>
-                <a:schemeClr val="bg2">
-                  <a:lumMod val="90000"/>
-                </a:schemeClr>
-              </a:solidFill>
-              <a:latin typeface="Times New Roman" panose="02020603050405020304" pitchFamily="18" charset="0"/>
-              <a:cs typeface="Times New Roman" panose="02020603050405020304" pitchFamily="18" charset="0"/>
-            </a:endParaRPr>
           </a:p>
           <a:p>
             <a:pPr algn="r"/>
@@ -3632,7 +4340,22 @@
                 <a:latin typeface="Times New Roman" panose="02020603050405020304" pitchFamily="18" charset="0"/>
                 <a:cs typeface="Times New Roman" panose="02020603050405020304" pitchFamily="18" charset="0"/>
               </a:rPr>
-              <a:t> </a:t>
+              <a:t> 17-1</a:t>
+            </a:r>
+          </a:p>
+          <a:p>
+            <a:pPr algn="r"/>
+            <a:r>
+              <a:rPr lang="ru-RU" sz="2800" dirty="0" err="1" smtClean="0">
+                <a:solidFill>
+                  <a:schemeClr val="bg2">
+                    <a:lumMod val="90000"/>
+                  </a:schemeClr>
+                </a:solidFill>
+                <a:latin typeface="Times New Roman" panose="02020603050405020304" pitchFamily="18" charset="0"/>
+                <a:cs typeface="Times New Roman" panose="02020603050405020304" pitchFamily="18" charset="0"/>
+              </a:rPr>
+              <a:t>Кастуев</a:t>
             </a:r>
             <a:r>
               <a:rPr lang="ru-RU" sz="2800" dirty="0" smtClean="0">
@@ -3644,12 +4367,63 @@
                 <a:latin typeface="Times New Roman" panose="02020603050405020304" pitchFamily="18" charset="0"/>
                 <a:cs typeface="Times New Roman" panose="02020603050405020304" pitchFamily="18" charset="0"/>
               </a:rPr>
-              <a:t>17-1</a:t>
+              <a:t> Х.А.</a:t>
             </a:r>
           </a:p>
           <a:p>
             <a:pPr algn="r"/>
             <a:r>
+              <a:rPr lang="ru-RU" sz="2800" dirty="0" smtClean="0">
+                <a:solidFill>
+                  <a:schemeClr val="bg2">
+                    <a:lumMod val="90000"/>
+                  </a:schemeClr>
+                </a:solidFill>
+                <a:latin typeface="Times New Roman" panose="02020603050405020304" pitchFamily="18" charset="0"/>
+                <a:cs typeface="Times New Roman" panose="02020603050405020304" pitchFamily="18" charset="0"/>
+              </a:rPr>
+              <a:t>Научный руководитель:</a:t>
+            </a:r>
+          </a:p>
+          <a:p>
+            <a:pPr algn="r"/>
+            <a:r>
+              <a:rPr lang="ru-RU" sz="2800" dirty="0" smtClean="0">
+                <a:solidFill>
+                  <a:schemeClr val="bg2">
+                    <a:lumMod val="90000"/>
+                  </a:schemeClr>
+                </a:solidFill>
+                <a:latin typeface="Times New Roman" panose="02020603050405020304" pitchFamily="18" charset="0"/>
+                <a:cs typeface="Times New Roman" panose="02020603050405020304" pitchFamily="18" charset="0"/>
+              </a:rPr>
+              <a:t>к.т.н</a:t>
+            </a:r>
+            <a:r>
+              <a:rPr lang="ru-RU" sz="2800" dirty="0">
+                <a:solidFill>
+                  <a:schemeClr val="bg2">
+                    <a:lumMod val="90000"/>
+                  </a:schemeClr>
+                </a:solidFill>
+                <a:latin typeface="Times New Roman" panose="02020603050405020304" pitchFamily="18" charset="0"/>
+                <a:cs typeface="Times New Roman" panose="02020603050405020304" pitchFamily="18" charset="0"/>
+              </a:rPr>
+              <a:t>., </a:t>
+            </a:r>
+            <a:r>
+              <a:rPr lang="ru-RU" sz="2800" dirty="0" smtClean="0">
+                <a:solidFill>
+                  <a:schemeClr val="bg2">
+                    <a:lumMod val="90000"/>
+                  </a:schemeClr>
+                </a:solidFill>
+                <a:latin typeface="Times New Roman" panose="02020603050405020304" pitchFamily="18" charset="0"/>
+                <a:cs typeface="Times New Roman" panose="02020603050405020304" pitchFamily="18" charset="0"/>
+              </a:rPr>
+              <a:t>доц. </a:t>
+            </a:r>
+            <a:r>
               <a:rPr lang="ru-RU" sz="2800" dirty="0" err="1" smtClean="0">
                 <a:solidFill>
                   <a:schemeClr val="bg2">
@@ -3659,7 +4433,7 @@
                 <a:latin typeface="Times New Roman" panose="02020603050405020304" pitchFamily="18" charset="0"/>
                 <a:cs typeface="Times New Roman" panose="02020603050405020304" pitchFamily="18" charset="0"/>
               </a:rPr>
-              <a:t>Кастуев</a:t>
+              <a:t>Будаева</a:t>
             </a:r>
             <a:r>
               <a:rPr lang="ru-RU" sz="2800" dirty="0" smtClean="0">
@@ -3671,109 +4445,7 @@
                 <a:latin typeface="Times New Roman" panose="02020603050405020304" pitchFamily="18" charset="0"/>
                 <a:cs typeface="Times New Roman" panose="02020603050405020304" pitchFamily="18" charset="0"/>
               </a:rPr>
-              <a:t> </a:t>
-            </a:r>
-            <a:r>
-              <a:rPr lang="ru-RU" sz="2800" dirty="0" smtClean="0">
-                <a:solidFill>
-                  <a:schemeClr val="bg2">
-                    <a:lumMod val="90000"/>
-                  </a:schemeClr>
-                </a:solidFill>
-                <a:latin typeface="Times New Roman" panose="02020603050405020304" pitchFamily="18" charset="0"/>
-                <a:cs typeface="Times New Roman" panose="02020603050405020304" pitchFamily="18" charset="0"/>
-              </a:rPr>
-              <a:t>Х.А.</a:t>
-            </a:r>
-          </a:p>
-          <a:p>
-            <a:pPr algn="r"/>
-            <a:r>
-              <a:rPr lang="ru-RU" sz="2800" dirty="0" smtClean="0">
-                <a:solidFill>
-                  <a:schemeClr val="bg2">
-                    <a:lumMod val="90000"/>
-                  </a:schemeClr>
-                </a:solidFill>
-                <a:latin typeface="Times New Roman" panose="02020603050405020304" pitchFamily="18" charset="0"/>
-                <a:cs typeface="Times New Roman" panose="02020603050405020304" pitchFamily="18" charset="0"/>
-              </a:rPr>
-              <a:t>Научный руководитель:</a:t>
-            </a:r>
-          </a:p>
-          <a:p>
-            <a:pPr algn="r"/>
-            <a:r>
-              <a:rPr lang="ru-RU" sz="2800" dirty="0" smtClean="0">
-                <a:solidFill>
-                  <a:schemeClr val="bg2">
-                    <a:lumMod val="90000"/>
-                  </a:schemeClr>
-                </a:solidFill>
-                <a:latin typeface="Times New Roman" panose="02020603050405020304" pitchFamily="18" charset="0"/>
-                <a:cs typeface="Times New Roman" panose="02020603050405020304" pitchFamily="18" charset="0"/>
-              </a:rPr>
-              <a:t>к.т.н</a:t>
-            </a:r>
-            <a:r>
-              <a:rPr lang="ru-RU" sz="2800" dirty="0">
-                <a:solidFill>
-                  <a:schemeClr val="bg2">
-                    <a:lumMod val="90000"/>
-                  </a:schemeClr>
-                </a:solidFill>
-                <a:latin typeface="Times New Roman" panose="02020603050405020304" pitchFamily="18" charset="0"/>
-                <a:cs typeface="Times New Roman" panose="02020603050405020304" pitchFamily="18" charset="0"/>
-              </a:rPr>
-              <a:t>., </a:t>
-            </a:r>
-            <a:r>
-              <a:rPr lang="ru-RU" sz="2800" dirty="0" smtClean="0">
-                <a:solidFill>
-                  <a:schemeClr val="bg2">
-                    <a:lumMod val="90000"/>
-                  </a:schemeClr>
-                </a:solidFill>
-                <a:latin typeface="Times New Roman" panose="02020603050405020304" pitchFamily="18" charset="0"/>
-                <a:cs typeface="Times New Roman" panose="02020603050405020304" pitchFamily="18" charset="0"/>
-              </a:rPr>
-              <a:t>доц. </a:t>
-            </a:r>
-            <a:r>
-              <a:rPr lang="ru-RU" sz="2800" dirty="0" err="1" smtClean="0">
-                <a:solidFill>
-                  <a:schemeClr val="bg2">
-                    <a:lumMod val="90000"/>
-                  </a:schemeClr>
-                </a:solidFill>
-                <a:latin typeface="Times New Roman" panose="02020603050405020304" pitchFamily="18" charset="0"/>
-                <a:cs typeface="Times New Roman" panose="02020603050405020304" pitchFamily="18" charset="0"/>
-              </a:rPr>
-              <a:t>Будаева</a:t>
-            </a:r>
-            <a:r>
-              <a:rPr lang="ru-RU" sz="2800" dirty="0" smtClean="0">
-                <a:solidFill>
-                  <a:schemeClr val="bg2">
-                    <a:lumMod val="90000"/>
-                  </a:schemeClr>
-                </a:solidFill>
-                <a:latin typeface="Times New Roman" panose="02020603050405020304" pitchFamily="18" charset="0"/>
-                <a:cs typeface="Times New Roman" panose="02020603050405020304" pitchFamily="18" charset="0"/>
-              </a:rPr>
-              <a:t> </a:t>
-            </a:r>
-            <a:r>
-              <a:rPr lang="ru-RU" sz="2800" dirty="0" smtClean="0">
-                <a:solidFill>
-                  <a:schemeClr val="bg2">
-                    <a:lumMod val="90000"/>
-                  </a:schemeClr>
-                </a:solidFill>
-                <a:latin typeface="Times New Roman" panose="02020603050405020304" pitchFamily="18" charset="0"/>
-                <a:cs typeface="Times New Roman" panose="02020603050405020304" pitchFamily="18" charset="0"/>
-              </a:rPr>
-              <a:t>А.А.</a:t>
+              <a:t> А.А.</a:t>
             </a:r>
           </a:p>
           <a:p>
@@ -3822,6 +4494,1014 @@
     <p:extLst>
       <p:ext uri="{BB962C8B-B14F-4D97-AF65-F5344CB8AC3E}">
         <p14:creationId xmlns:p14="http://schemas.microsoft.com/office/powerpoint/2010/main" val="2346731486"/>
+      </p:ext>
+    </p:extLst>
+  </p:cSld>
+  <p:clrMapOvr>
+    <a:masterClrMapping/>
+  </p:clrMapOvr>
+  <p:timing>
+    <p:tnLst>
+      <p:par>
+        <p:cTn id="1" dur="indefinite" restart="never" nodeType="tmRoot"/>
+      </p:par>
+    </p:tnLst>
+  </p:timing>
+</p:sld>
+</file>
+
+<file path=ppt/slides/slide10.xml><?xml version="1.0" encoding="utf-8"?>
+<p:sld xmlns:a="http://schemas.openxmlformats.org/drawingml/2006/main" xmlns:r="http://schemas.openxmlformats.org/officeDocument/2006/relationships" xmlns:p="http://schemas.openxmlformats.org/presentationml/2006/main">
+  <p:cSld>
+    <p:bg>
+      <p:bgPr>
+        <a:blipFill dpi="0" rotWithShape="1">
+          <a:blip r:embed="rId2">
+            <a:lum/>
+          </a:blip>
+          <a:srcRect/>
+          <a:stretch>
+            <a:fillRect/>
+          </a:stretch>
+        </a:blipFill>
+        <a:effectLst/>
+      </p:bgPr>
+    </p:bg>
+    <p:spTree>
+      <p:nvGrpSpPr>
+        <p:cNvPr id="1" name=""/>
+        <p:cNvGrpSpPr/>
+        <p:nvPr/>
+      </p:nvGrpSpPr>
+      <p:grpSpPr>
+        <a:xfrm>
+          <a:off x="0" y="0"/>
+          <a:ext cx="0" cy="0"/>
+          <a:chOff x="0" y="0"/>
+          <a:chExt cx="0" cy="0"/>
+        </a:xfrm>
+      </p:grpSpPr>
+      <p:sp>
+        <p:nvSpPr>
+          <p:cNvPr id="10" name="Прямоугольник 9"/>
+          <p:cNvSpPr/>
+          <p:nvPr/>
+        </p:nvSpPr>
+        <p:spPr>
+          <a:xfrm>
+            <a:off x="3156867" y="413406"/>
+            <a:ext cx="6069867" cy="769441"/>
+          </a:xfrm>
+          <a:prstGeom prst="rect">
+            <a:avLst/>
+          </a:prstGeom>
+          <a:noFill/>
+        </p:spPr>
+        <p:txBody>
+          <a:bodyPr wrap="none" lIns="91440" tIns="45720" rIns="91440" bIns="45720">
+            <a:spAutoFit/>
+          </a:bodyPr>
+          <a:lstStyle/>
+          <a:p>
+            <a:pPr algn="ctr"/>
+            <a:r>
+              <a:rPr lang="ru-RU" sz="4400" dirty="0" smtClean="0">
+                <a:ln w="0"/>
+                <a:solidFill>
+                  <a:schemeClr val="bg2">
+                    <a:lumMod val="90000"/>
+                  </a:schemeClr>
+                </a:solidFill>
+                <a:latin typeface="Times New Roman" panose="02020603050405020304" pitchFamily="18" charset="0"/>
+                <a:cs typeface="Times New Roman" panose="02020603050405020304" pitchFamily="18" charset="0"/>
+              </a:rPr>
+              <a:t>Р</a:t>
+            </a:r>
+            <a:r>
+              <a:rPr lang="ru-RU" sz="4400" dirty="0" smtClean="0">
+                <a:ln w="0"/>
+                <a:solidFill>
+                  <a:schemeClr val="bg2">
+                    <a:lumMod val="90000"/>
+                  </a:schemeClr>
+                </a:solidFill>
+                <a:latin typeface="Times New Roman" panose="02020603050405020304" pitchFamily="18" charset="0"/>
+                <a:cs typeface="Times New Roman" panose="02020603050405020304" pitchFamily="18" charset="0"/>
+              </a:rPr>
+              <a:t>ежим «Кластеризация»</a:t>
+            </a:r>
+            <a:endParaRPr lang="ru-RU" sz="4400" dirty="0">
+              <a:ln w="0"/>
+              <a:solidFill>
+                <a:schemeClr val="bg2">
+                  <a:lumMod val="90000"/>
+                </a:schemeClr>
+              </a:solidFill>
+              <a:effectLst>
+                <a:outerShdw blurRad="38100" dist="19050" dir="2700000" algn="tl" rotWithShape="0">
+                  <a:schemeClr val="dk1">
+                    <a:alpha val="40000"/>
+                  </a:schemeClr>
+                </a:outerShdw>
+              </a:effectLst>
+              <a:latin typeface="Times New Roman" panose="02020603050405020304" pitchFamily="18" charset="0"/>
+              <a:cs typeface="Times New Roman" panose="02020603050405020304" pitchFamily="18" charset="0"/>
+            </a:endParaRPr>
+          </a:p>
+        </p:txBody>
+      </p:sp>
+      <p:sp>
+        <p:nvSpPr>
+          <p:cNvPr id="9" name="Номер слайда 8"/>
+          <p:cNvSpPr>
+            <a:spLocks noGrp="1"/>
+          </p:cNvSpPr>
+          <p:nvPr>
+            <p:ph type="sldNum" sz="quarter" idx="12"/>
+          </p:nvPr>
+        </p:nvSpPr>
+        <p:spPr>
+          <a:xfrm>
+            <a:off x="11371152" y="6356350"/>
+            <a:ext cx="820847" cy="334161"/>
+          </a:xfrm>
+        </p:spPr>
+        <p:txBody>
+          <a:bodyPr/>
+          <a:lstStyle/>
+          <a:p>
+            <a:fld id="{88F22FBA-BF31-4D4C-879C-24C2A0178456}" type="slidenum">
+              <a:rPr lang="ru-RU" sz="4800" smtClean="0">
+                <a:latin typeface="Times New Roman" panose="02020603050405020304" pitchFamily="18" charset="0"/>
+                <a:cs typeface="Times New Roman" panose="02020603050405020304" pitchFamily="18" charset="0"/>
+              </a:rPr>
+              <a:t>10</a:t>
+            </a:fld>
+            <a:endParaRPr lang="ru-RU" sz="4800" dirty="0">
+              <a:latin typeface="Times New Roman" panose="02020603050405020304" pitchFamily="18" charset="0"/>
+              <a:cs typeface="Times New Roman" panose="02020603050405020304" pitchFamily="18" charset="0"/>
+            </a:endParaRPr>
+          </a:p>
+        </p:txBody>
+      </p:sp>
+      <p:pic>
+        <p:nvPicPr>
+          <p:cNvPr id="4" name="Рисунок 3"/>
+          <p:cNvPicPr>
+            <a:picLocks noChangeAspect="1"/>
+          </p:cNvPicPr>
+          <p:nvPr/>
+        </p:nvPicPr>
+        <p:blipFill>
+          <a:blip r:embed="rId3"/>
+          <a:stretch>
+            <a:fillRect/>
+          </a:stretch>
+        </p:blipFill>
+        <p:spPr>
+          <a:xfrm>
+            <a:off x="3313144" y="1326239"/>
+            <a:ext cx="5565712" cy="5364272"/>
+          </a:xfrm>
+          <a:prstGeom prst="rect">
+            <a:avLst/>
+          </a:prstGeom>
+        </p:spPr>
+      </p:pic>
+    </p:spTree>
+    <p:extLst>
+      <p:ext uri="{BB962C8B-B14F-4D97-AF65-F5344CB8AC3E}">
+        <p14:creationId xmlns:p14="http://schemas.microsoft.com/office/powerpoint/2010/main" val="2041103319"/>
+      </p:ext>
+    </p:extLst>
+  </p:cSld>
+  <p:clrMapOvr>
+    <a:masterClrMapping/>
+  </p:clrMapOvr>
+  <p:timing>
+    <p:tnLst>
+      <p:par>
+        <p:cTn id="1" dur="indefinite" restart="never" nodeType="tmRoot"/>
+      </p:par>
+    </p:tnLst>
+  </p:timing>
+</p:sld>
+</file>
+
+<file path=ppt/slides/slide11.xml><?xml version="1.0" encoding="utf-8"?>
+<p:sld xmlns:a="http://schemas.openxmlformats.org/drawingml/2006/main" xmlns:r="http://schemas.openxmlformats.org/officeDocument/2006/relationships" xmlns:p="http://schemas.openxmlformats.org/presentationml/2006/main">
+  <p:cSld>
+    <p:bg>
+      <p:bgPr>
+        <a:blipFill dpi="0" rotWithShape="1">
+          <a:blip r:embed="rId2">
+            <a:lum/>
+          </a:blip>
+          <a:srcRect/>
+          <a:stretch>
+            <a:fillRect/>
+          </a:stretch>
+        </a:blipFill>
+        <a:effectLst/>
+      </p:bgPr>
+    </p:bg>
+    <p:spTree>
+      <p:nvGrpSpPr>
+        <p:cNvPr id="1" name=""/>
+        <p:cNvGrpSpPr/>
+        <p:nvPr/>
+      </p:nvGrpSpPr>
+      <p:grpSpPr>
+        <a:xfrm>
+          <a:off x="0" y="0"/>
+          <a:ext cx="0" cy="0"/>
+          <a:chOff x="0" y="0"/>
+          <a:chExt cx="0" cy="0"/>
+        </a:xfrm>
+      </p:grpSpPr>
+      <p:sp>
+        <p:nvSpPr>
+          <p:cNvPr id="10" name="Прямоугольник 9"/>
+          <p:cNvSpPr/>
+          <p:nvPr/>
+        </p:nvSpPr>
+        <p:spPr>
+          <a:xfrm>
+            <a:off x="3066555" y="413406"/>
+            <a:ext cx="6250494" cy="769441"/>
+          </a:xfrm>
+          <a:prstGeom prst="rect">
+            <a:avLst/>
+          </a:prstGeom>
+          <a:noFill/>
+        </p:spPr>
+        <p:txBody>
+          <a:bodyPr wrap="none" lIns="91440" tIns="45720" rIns="91440" bIns="45720">
+            <a:spAutoFit/>
+          </a:bodyPr>
+          <a:lstStyle/>
+          <a:p>
+            <a:pPr algn="ctr"/>
+            <a:r>
+              <a:rPr lang="ru-RU" sz="4400" dirty="0">
+                <a:ln w="0"/>
+                <a:solidFill>
+                  <a:schemeClr val="bg2">
+                    <a:lumMod val="90000"/>
+                  </a:schemeClr>
+                </a:solidFill>
+                <a:latin typeface="Times New Roman" panose="02020603050405020304" pitchFamily="18" charset="0"/>
+                <a:cs typeface="Times New Roman" panose="02020603050405020304" pitchFamily="18" charset="0"/>
+              </a:rPr>
+              <a:t>Режим </a:t>
+            </a:r>
+            <a:r>
+              <a:rPr lang="ru-RU" sz="4400" dirty="0" smtClean="0">
+                <a:ln w="0"/>
+                <a:solidFill>
+                  <a:schemeClr val="bg2">
+                    <a:lumMod val="90000"/>
+                  </a:schemeClr>
+                </a:solidFill>
+                <a:latin typeface="Times New Roman" panose="02020603050405020304" pitchFamily="18" charset="0"/>
+                <a:cs typeface="Times New Roman" panose="02020603050405020304" pitchFamily="18" charset="0"/>
+              </a:rPr>
+              <a:t>«Классификация»</a:t>
+            </a:r>
+            <a:endParaRPr lang="ru-RU" sz="4400" dirty="0">
+              <a:ln w="0"/>
+              <a:solidFill>
+                <a:schemeClr val="bg2">
+                  <a:lumMod val="90000"/>
+                </a:schemeClr>
+              </a:solidFill>
+              <a:effectLst>
+                <a:outerShdw blurRad="38100" dist="19050" dir="2700000" algn="tl" rotWithShape="0">
+                  <a:schemeClr val="dk1">
+                    <a:alpha val="40000"/>
+                  </a:schemeClr>
+                </a:outerShdw>
+              </a:effectLst>
+              <a:latin typeface="Times New Roman" panose="02020603050405020304" pitchFamily="18" charset="0"/>
+              <a:cs typeface="Times New Roman" panose="02020603050405020304" pitchFamily="18" charset="0"/>
+            </a:endParaRPr>
+          </a:p>
+        </p:txBody>
+      </p:sp>
+      <p:sp>
+        <p:nvSpPr>
+          <p:cNvPr id="9" name="Номер слайда 8"/>
+          <p:cNvSpPr>
+            <a:spLocks noGrp="1"/>
+          </p:cNvSpPr>
+          <p:nvPr>
+            <p:ph type="sldNum" sz="quarter" idx="12"/>
+          </p:nvPr>
+        </p:nvSpPr>
+        <p:spPr>
+          <a:xfrm>
+            <a:off x="11371152" y="6356350"/>
+            <a:ext cx="820847" cy="334161"/>
+          </a:xfrm>
+        </p:spPr>
+        <p:txBody>
+          <a:bodyPr/>
+          <a:lstStyle/>
+          <a:p>
+            <a:fld id="{88F22FBA-BF31-4D4C-879C-24C2A0178456}" type="slidenum">
+              <a:rPr lang="ru-RU" sz="4800" smtClean="0">
+                <a:latin typeface="Times New Roman" panose="02020603050405020304" pitchFamily="18" charset="0"/>
+                <a:cs typeface="Times New Roman" panose="02020603050405020304" pitchFamily="18" charset="0"/>
+              </a:rPr>
+              <a:t>11</a:t>
+            </a:fld>
+            <a:endParaRPr lang="ru-RU" sz="4800" dirty="0">
+              <a:latin typeface="Times New Roman" panose="02020603050405020304" pitchFamily="18" charset="0"/>
+              <a:cs typeface="Times New Roman" panose="02020603050405020304" pitchFamily="18" charset="0"/>
+            </a:endParaRPr>
+          </a:p>
+        </p:txBody>
+      </p:sp>
+      <p:pic>
+        <p:nvPicPr>
+          <p:cNvPr id="2" name="Рисунок 1"/>
+          <p:cNvPicPr>
+            <a:picLocks noChangeAspect="1"/>
+          </p:cNvPicPr>
+          <p:nvPr/>
+        </p:nvPicPr>
+        <p:blipFill>
+          <a:blip r:embed="rId3"/>
+          <a:stretch>
+            <a:fillRect/>
+          </a:stretch>
+        </p:blipFill>
+        <p:spPr>
+          <a:xfrm>
+            <a:off x="3236425" y="1182847"/>
+            <a:ext cx="5719150" cy="5519287"/>
+          </a:xfrm>
+          <a:prstGeom prst="rect">
+            <a:avLst/>
+          </a:prstGeom>
+        </p:spPr>
+      </p:pic>
+    </p:spTree>
+    <p:extLst>
+      <p:ext uri="{BB962C8B-B14F-4D97-AF65-F5344CB8AC3E}">
+        <p14:creationId xmlns:p14="http://schemas.microsoft.com/office/powerpoint/2010/main" val="2109045353"/>
+      </p:ext>
+    </p:extLst>
+  </p:cSld>
+  <p:clrMapOvr>
+    <a:masterClrMapping/>
+  </p:clrMapOvr>
+  <p:timing>
+    <p:tnLst>
+      <p:par>
+        <p:cTn id="1" dur="indefinite" restart="never" nodeType="tmRoot"/>
+      </p:par>
+    </p:tnLst>
+  </p:timing>
+</p:sld>
+</file>
+
+<file path=ppt/slides/slide12.xml><?xml version="1.0" encoding="utf-8"?>
+<p:sld xmlns:a="http://schemas.openxmlformats.org/drawingml/2006/main" xmlns:r="http://schemas.openxmlformats.org/officeDocument/2006/relationships" xmlns:p="http://schemas.openxmlformats.org/presentationml/2006/main">
+  <p:cSld>
+    <p:bg>
+      <p:bgPr>
+        <a:blipFill dpi="0" rotWithShape="1">
+          <a:blip r:embed="rId2">
+            <a:lum/>
+          </a:blip>
+          <a:srcRect/>
+          <a:stretch>
+            <a:fillRect/>
+          </a:stretch>
+        </a:blipFill>
+        <a:effectLst/>
+      </p:bgPr>
+    </p:bg>
+    <p:spTree>
+      <p:nvGrpSpPr>
+        <p:cNvPr id="1" name=""/>
+        <p:cNvGrpSpPr/>
+        <p:nvPr/>
+      </p:nvGrpSpPr>
+      <p:grpSpPr>
+        <a:xfrm>
+          <a:off x="0" y="0"/>
+          <a:ext cx="0" cy="0"/>
+          <a:chOff x="0" y="0"/>
+          <a:chExt cx="0" cy="0"/>
+        </a:xfrm>
+      </p:grpSpPr>
+      <p:sp>
+        <p:nvSpPr>
+          <p:cNvPr id="10" name="Прямоугольник 9"/>
+          <p:cNvSpPr/>
+          <p:nvPr/>
+        </p:nvSpPr>
+        <p:spPr>
+          <a:xfrm>
+            <a:off x="3811624" y="250443"/>
+            <a:ext cx="4568751" cy="769441"/>
+          </a:xfrm>
+          <a:prstGeom prst="rect">
+            <a:avLst/>
+          </a:prstGeom>
+          <a:noFill/>
+        </p:spPr>
+        <p:txBody>
+          <a:bodyPr wrap="none" lIns="91440" tIns="45720" rIns="91440" bIns="45720">
+            <a:spAutoFit/>
+          </a:bodyPr>
+          <a:lstStyle/>
+          <a:p>
+            <a:pPr algn="ctr"/>
+            <a:r>
+              <a:rPr lang="ru-RU" sz="4400" dirty="0" smtClean="0">
+                <a:ln w="0"/>
+                <a:solidFill>
+                  <a:schemeClr val="bg2">
+                    <a:lumMod val="90000"/>
+                  </a:schemeClr>
+                </a:solidFill>
+                <a:latin typeface="Times New Roman" panose="02020603050405020304" pitchFamily="18" charset="0"/>
+                <a:cs typeface="Times New Roman" panose="02020603050405020304" pitchFamily="18" charset="0"/>
+              </a:rPr>
+              <a:t>Работа с классами</a:t>
+            </a:r>
+            <a:endParaRPr lang="ru-RU" sz="4400" dirty="0">
+              <a:ln w="0"/>
+              <a:solidFill>
+                <a:schemeClr val="bg2">
+                  <a:lumMod val="90000"/>
+                </a:schemeClr>
+              </a:solidFill>
+              <a:effectLst>
+                <a:outerShdw blurRad="38100" dist="19050" dir="2700000" algn="tl" rotWithShape="0">
+                  <a:schemeClr val="dk1">
+                    <a:alpha val="40000"/>
+                  </a:schemeClr>
+                </a:outerShdw>
+              </a:effectLst>
+              <a:latin typeface="Times New Roman" panose="02020603050405020304" pitchFamily="18" charset="0"/>
+              <a:cs typeface="Times New Roman" panose="02020603050405020304" pitchFamily="18" charset="0"/>
+            </a:endParaRPr>
+          </a:p>
+        </p:txBody>
+      </p:sp>
+      <p:sp>
+        <p:nvSpPr>
+          <p:cNvPr id="9" name="Номер слайда 8"/>
+          <p:cNvSpPr>
+            <a:spLocks noGrp="1"/>
+          </p:cNvSpPr>
+          <p:nvPr>
+            <p:ph type="sldNum" sz="quarter" idx="12"/>
+          </p:nvPr>
+        </p:nvSpPr>
+        <p:spPr>
+          <a:xfrm>
+            <a:off x="11162923" y="6356350"/>
+            <a:ext cx="875168" cy="334161"/>
+          </a:xfrm>
+        </p:spPr>
+        <p:txBody>
+          <a:bodyPr/>
+          <a:lstStyle/>
+          <a:p>
+            <a:fld id="{88F22FBA-BF31-4D4C-879C-24C2A0178456}" type="slidenum">
+              <a:rPr lang="ru-RU" sz="4800" smtClean="0">
+                <a:latin typeface="Times New Roman" panose="02020603050405020304" pitchFamily="18" charset="0"/>
+                <a:cs typeface="Times New Roman" panose="02020603050405020304" pitchFamily="18" charset="0"/>
+              </a:rPr>
+              <a:t>12</a:t>
+            </a:fld>
+            <a:endParaRPr lang="ru-RU" sz="4800" dirty="0">
+              <a:latin typeface="Times New Roman" panose="02020603050405020304" pitchFamily="18" charset="0"/>
+              <a:cs typeface="Times New Roman" panose="02020603050405020304" pitchFamily="18" charset="0"/>
+            </a:endParaRPr>
+          </a:p>
+        </p:txBody>
+      </p:sp>
+      <p:pic>
+        <p:nvPicPr>
+          <p:cNvPr id="4" name="Рисунок 3"/>
+          <p:cNvPicPr/>
+          <p:nvPr/>
+        </p:nvPicPr>
+        <p:blipFill>
+          <a:blip r:embed="rId3"/>
+          <a:stretch>
+            <a:fillRect/>
+          </a:stretch>
+        </p:blipFill>
+        <p:spPr>
+          <a:xfrm>
+            <a:off x="3373455" y="1272470"/>
+            <a:ext cx="5445090" cy="5255895"/>
+          </a:xfrm>
+          <a:prstGeom prst="rect">
+            <a:avLst/>
+          </a:prstGeom>
+        </p:spPr>
+      </p:pic>
+    </p:spTree>
+    <p:extLst>
+      <p:ext uri="{BB962C8B-B14F-4D97-AF65-F5344CB8AC3E}">
+        <p14:creationId xmlns:p14="http://schemas.microsoft.com/office/powerpoint/2010/main" val="1219554886"/>
+      </p:ext>
+    </p:extLst>
+  </p:cSld>
+  <p:clrMapOvr>
+    <a:masterClrMapping/>
+  </p:clrMapOvr>
+  <p:timing>
+    <p:tnLst>
+      <p:par>
+        <p:cTn id="1" dur="indefinite" restart="never" nodeType="tmRoot"/>
+      </p:par>
+    </p:tnLst>
+  </p:timing>
+</p:sld>
+</file>
+
+<file path=ppt/slides/slide13.xml><?xml version="1.0" encoding="utf-8"?>
+<p:sld xmlns:a="http://schemas.openxmlformats.org/drawingml/2006/main" xmlns:r="http://schemas.openxmlformats.org/officeDocument/2006/relationships" xmlns:p="http://schemas.openxmlformats.org/presentationml/2006/main">
+  <p:cSld>
+    <p:bg>
+      <p:bgPr>
+        <a:blipFill dpi="0" rotWithShape="1">
+          <a:blip r:embed="rId2">
+            <a:lum/>
+          </a:blip>
+          <a:srcRect/>
+          <a:stretch>
+            <a:fillRect/>
+          </a:stretch>
+        </a:blipFill>
+        <a:effectLst/>
+      </p:bgPr>
+    </p:bg>
+    <p:spTree>
+      <p:nvGrpSpPr>
+        <p:cNvPr id="1" name=""/>
+        <p:cNvGrpSpPr/>
+        <p:nvPr/>
+      </p:nvGrpSpPr>
+      <p:grpSpPr>
+        <a:xfrm>
+          <a:off x="0" y="0"/>
+          <a:ext cx="0" cy="0"/>
+          <a:chOff x="0" y="0"/>
+          <a:chExt cx="0" cy="0"/>
+        </a:xfrm>
+      </p:grpSpPr>
+      <p:sp>
+        <p:nvSpPr>
+          <p:cNvPr id="10" name="Прямоугольник 9"/>
+          <p:cNvSpPr/>
+          <p:nvPr/>
+        </p:nvSpPr>
+        <p:spPr>
+          <a:xfrm>
+            <a:off x="3907423" y="0"/>
+            <a:ext cx="4568751" cy="769441"/>
+          </a:xfrm>
+          <a:prstGeom prst="rect">
+            <a:avLst/>
+          </a:prstGeom>
+          <a:noFill/>
+        </p:spPr>
+        <p:txBody>
+          <a:bodyPr wrap="none" lIns="91440" tIns="45720" rIns="91440" bIns="45720">
+            <a:spAutoFit/>
+          </a:bodyPr>
+          <a:lstStyle/>
+          <a:p>
+            <a:pPr algn="ctr"/>
+            <a:r>
+              <a:rPr lang="ru-RU" sz="4400" dirty="0">
+                <a:ln w="0"/>
+                <a:solidFill>
+                  <a:schemeClr val="bg2">
+                    <a:lumMod val="90000"/>
+                  </a:schemeClr>
+                </a:solidFill>
+                <a:latin typeface="Times New Roman" panose="02020603050405020304" pitchFamily="18" charset="0"/>
+                <a:cs typeface="Times New Roman" panose="02020603050405020304" pitchFamily="18" charset="0"/>
+              </a:rPr>
+              <a:t>Работа с классами</a:t>
+            </a:r>
+            <a:endParaRPr lang="ru-RU" sz="4400" dirty="0">
+              <a:ln w="0"/>
+              <a:solidFill>
+                <a:schemeClr val="bg2">
+                  <a:lumMod val="90000"/>
+                </a:schemeClr>
+              </a:solidFill>
+              <a:effectLst>
+                <a:outerShdw blurRad="38100" dist="19050" dir="2700000" algn="tl" rotWithShape="0">
+                  <a:schemeClr val="dk1">
+                    <a:alpha val="40000"/>
+                  </a:schemeClr>
+                </a:outerShdw>
+              </a:effectLst>
+              <a:latin typeface="Times New Roman" panose="02020603050405020304" pitchFamily="18" charset="0"/>
+              <a:cs typeface="Times New Roman" panose="02020603050405020304" pitchFamily="18" charset="0"/>
+            </a:endParaRPr>
+          </a:p>
+        </p:txBody>
+      </p:sp>
+      <p:sp>
+        <p:nvSpPr>
+          <p:cNvPr id="9" name="Номер слайда 8"/>
+          <p:cNvSpPr>
+            <a:spLocks noGrp="1"/>
+          </p:cNvSpPr>
+          <p:nvPr>
+            <p:ph type="sldNum" sz="quarter" idx="12"/>
+          </p:nvPr>
+        </p:nvSpPr>
+        <p:spPr>
+          <a:xfrm>
+            <a:off x="11162923" y="6356350"/>
+            <a:ext cx="875168" cy="334161"/>
+          </a:xfrm>
+        </p:spPr>
+        <p:txBody>
+          <a:bodyPr/>
+          <a:lstStyle/>
+          <a:p>
+            <a:fld id="{88F22FBA-BF31-4D4C-879C-24C2A0178456}" type="slidenum">
+              <a:rPr lang="ru-RU" sz="4800" smtClean="0">
+                <a:latin typeface="Times New Roman" panose="02020603050405020304" pitchFamily="18" charset="0"/>
+                <a:cs typeface="Times New Roman" panose="02020603050405020304" pitchFamily="18" charset="0"/>
+              </a:rPr>
+              <a:t>13</a:t>
+            </a:fld>
+            <a:endParaRPr lang="ru-RU" sz="4800" dirty="0">
+              <a:latin typeface="Times New Roman" panose="02020603050405020304" pitchFamily="18" charset="0"/>
+              <a:cs typeface="Times New Roman" panose="02020603050405020304" pitchFamily="18" charset="0"/>
+            </a:endParaRPr>
+          </a:p>
+        </p:txBody>
+      </p:sp>
+      <p:pic>
+        <p:nvPicPr>
+          <p:cNvPr id="7" name="Рисунок 6"/>
+          <p:cNvPicPr/>
+          <p:nvPr/>
+        </p:nvPicPr>
+        <p:blipFill>
+          <a:blip r:embed="rId3"/>
+          <a:stretch>
+            <a:fillRect/>
+          </a:stretch>
+        </p:blipFill>
+        <p:spPr>
+          <a:xfrm>
+            <a:off x="579421" y="1010831"/>
+            <a:ext cx="5219533" cy="5037944"/>
+          </a:xfrm>
+          <a:prstGeom prst="rect">
+            <a:avLst/>
+          </a:prstGeom>
+        </p:spPr>
+      </p:pic>
+      <p:pic>
+        <p:nvPicPr>
+          <p:cNvPr id="8" name="Рисунок 7"/>
+          <p:cNvPicPr/>
+          <p:nvPr/>
+        </p:nvPicPr>
+        <p:blipFill>
+          <a:blip r:embed="rId4"/>
+          <a:stretch>
+            <a:fillRect/>
+          </a:stretch>
+        </p:blipFill>
+        <p:spPr>
+          <a:xfrm>
+            <a:off x="6380974" y="1010831"/>
+            <a:ext cx="5219533" cy="5003984"/>
+          </a:xfrm>
+          <a:prstGeom prst="rect">
+            <a:avLst/>
+          </a:prstGeom>
+        </p:spPr>
+      </p:pic>
+    </p:spTree>
+    <p:extLst>
+      <p:ext uri="{BB962C8B-B14F-4D97-AF65-F5344CB8AC3E}">
+        <p14:creationId xmlns:p14="http://schemas.microsoft.com/office/powerpoint/2010/main" val="3922266886"/>
+      </p:ext>
+    </p:extLst>
+  </p:cSld>
+  <p:clrMapOvr>
+    <a:masterClrMapping/>
+  </p:clrMapOvr>
+  <p:timing>
+    <p:tnLst>
+      <p:par>
+        <p:cTn id="1" dur="indefinite" restart="never" nodeType="tmRoot"/>
+      </p:par>
+    </p:tnLst>
+  </p:timing>
+</p:sld>
+</file>
+
+<file path=ppt/slides/slide14.xml><?xml version="1.0" encoding="utf-8"?>
+<p:sld xmlns:a="http://schemas.openxmlformats.org/drawingml/2006/main" xmlns:r="http://schemas.openxmlformats.org/officeDocument/2006/relationships" xmlns:p="http://schemas.openxmlformats.org/presentationml/2006/main">
+  <p:cSld>
+    <p:bg>
+      <p:bgPr>
+        <a:blipFill dpi="0" rotWithShape="1">
+          <a:blip r:embed="rId2">
+            <a:lum/>
+          </a:blip>
+          <a:srcRect/>
+          <a:stretch>
+            <a:fillRect/>
+          </a:stretch>
+        </a:blipFill>
+        <a:effectLst/>
+      </p:bgPr>
+    </p:bg>
+    <p:spTree>
+      <p:nvGrpSpPr>
+        <p:cNvPr id="1" name=""/>
+        <p:cNvGrpSpPr/>
+        <p:nvPr/>
+      </p:nvGrpSpPr>
+      <p:grpSpPr>
+        <a:xfrm>
+          <a:off x="0" y="0"/>
+          <a:ext cx="0" cy="0"/>
+          <a:chOff x="0" y="0"/>
+          <a:chExt cx="0" cy="0"/>
+        </a:xfrm>
+      </p:grpSpPr>
+      <p:sp>
+        <p:nvSpPr>
+          <p:cNvPr id="10" name="Прямоугольник 9"/>
+          <p:cNvSpPr/>
+          <p:nvPr/>
+        </p:nvSpPr>
+        <p:spPr>
+          <a:xfrm>
+            <a:off x="5440054" y="413406"/>
+            <a:ext cx="1503489" cy="769441"/>
+          </a:xfrm>
+          <a:prstGeom prst="rect">
+            <a:avLst/>
+          </a:prstGeom>
+          <a:noFill/>
+        </p:spPr>
+        <p:txBody>
+          <a:bodyPr wrap="none" lIns="91440" tIns="45720" rIns="91440" bIns="45720">
+            <a:spAutoFit/>
+          </a:bodyPr>
+          <a:lstStyle/>
+          <a:p>
+            <a:pPr algn="ctr"/>
+            <a:r>
+              <a:rPr lang="ru-RU" sz="4400" dirty="0" err="1" smtClean="0">
+                <a:ln w="0"/>
+                <a:solidFill>
+                  <a:schemeClr val="bg2">
+                    <a:lumMod val="90000"/>
+                  </a:schemeClr>
+                </a:solidFill>
+                <a:latin typeface="Times New Roman" panose="02020603050405020304" pitchFamily="18" charset="0"/>
+                <a:cs typeface="Times New Roman" panose="02020603050405020304" pitchFamily="18" charset="0"/>
+              </a:rPr>
+              <a:t>вапав</a:t>
+            </a:r>
+            <a:endParaRPr lang="ru-RU" sz="4400" dirty="0">
+              <a:ln w="0"/>
+              <a:solidFill>
+                <a:schemeClr val="bg2">
+                  <a:lumMod val="90000"/>
+                </a:schemeClr>
+              </a:solidFill>
+              <a:effectLst>
+                <a:outerShdw blurRad="38100" dist="19050" dir="2700000" algn="tl" rotWithShape="0">
+                  <a:schemeClr val="dk1">
+                    <a:alpha val="40000"/>
+                  </a:schemeClr>
+                </a:outerShdw>
+              </a:effectLst>
+              <a:latin typeface="Times New Roman" panose="02020603050405020304" pitchFamily="18" charset="0"/>
+              <a:cs typeface="Times New Roman" panose="02020603050405020304" pitchFamily="18" charset="0"/>
+            </a:endParaRPr>
+          </a:p>
+        </p:txBody>
+      </p:sp>
+      <p:sp>
+        <p:nvSpPr>
+          <p:cNvPr id="9" name="Номер слайда 8"/>
+          <p:cNvSpPr>
+            <a:spLocks noGrp="1"/>
+          </p:cNvSpPr>
+          <p:nvPr>
+            <p:ph type="sldNum" sz="quarter" idx="12"/>
+          </p:nvPr>
+        </p:nvSpPr>
+        <p:spPr>
+          <a:xfrm>
+            <a:off x="11162923" y="6356350"/>
+            <a:ext cx="875168" cy="334161"/>
+          </a:xfrm>
+        </p:spPr>
+        <p:txBody>
+          <a:bodyPr/>
+          <a:lstStyle/>
+          <a:p>
+            <a:fld id="{88F22FBA-BF31-4D4C-879C-24C2A0178456}" type="slidenum">
+              <a:rPr lang="ru-RU" sz="4800" smtClean="0">
+                <a:latin typeface="Times New Roman" panose="02020603050405020304" pitchFamily="18" charset="0"/>
+                <a:cs typeface="Times New Roman" panose="02020603050405020304" pitchFamily="18" charset="0"/>
+              </a:rPr>
+              <a:t>14</a:t>
+            </a:fld>
+            <a:endParaRPr lang="ru-RU" sz="4800" dirty="0">
+              <a:latin typeface="Times New Roman" panose="02020603050405020304" pitchFamily="18" charset="0"/>
+              <a:cs typeface="Times New Roman" panose="02020603050405020304" pitchFamily="18" charset="0"/>
+            </a:endParaRPr>
+          </a:p>
+        </p:txBody>
+      </p:sp>
+      <p:graphicFrame>
+        <p:nvGraphicFramePr>
+          <p:cNvPr id="4" name="Диаграмма 3"/>
+          <p:cNvGraphicFramePr/>
+          <p:nvPr>
+            <p:extLst>
+              <p:ext uri="{D42A27DB-BD31-4B8C-83A1-F6EECF244321}">
+                <p14:modId xmlns:p14="http://schemas.microsoft.com/office/powerpoint/2010/main" val="1186715717"/>
+              </p:ext>
+            </p:extLst>
+          </p:nvPr>
+        </p:nvGraphicFramePr>
+        <p:xfrm>
+          <a:off x="3125787" y="2070100"/>
+          <a:ext cx="5940425" cy="2717800"/>
+        </p:xfrm>
+        <a:graphic>
+          <a:graphicData uri="http://schemas.openxmlformats.org/drawingml/2006/chart">
+            <c:chart xmlns:c="http://schemas.openxmlformats.org/drawingml/2006/chart" xmlns:r="http://schemas.openxmlformats.org/officeDocument/2006/relationships" r:id="rId3"/>
+          </a:graphicData>
+        </a:graphic>
+      </p:graphicFrame>
+    </p:spTree>
+    <p:extLst>
+      <p:ext uri="{BB962C8B-B14F-4D97-AF65-F5344CB8AC3E}">
+        <p14:creationId xmlns:p14="http://schemas.microsoft.com/office/powerpoint/2010/main" val="4199211579"/>
+      </p:ext>
+    </p:extLst>
+  </p:cSld>
+  <p:clrMapOvr>
+    <a:masterClrMapping/>
+  </p:clrMapOvr>
+  <p:timing>
+    <p:tnLst>
+      <p:par>
+        <p:cTn id="1" dur="indefinite" restart="never" nodeType="tmRoot"/>
+      </p:par>
+    </p:tnLst>
+  </p:timing>
+</p:sld>
+</file>
+
+<file path=ppt/slides/slide15.xml><?xml version="1.0" encoding="utf-8"?>
+<p:sld xmlns:a="http://schemas.openxmlformats.org/drawingml/2006/main" xmlns:r="http://schemas.openxmlformats.org/officeDocument/2006/relationships" xmlns:p="http://schemas.openxmlformats.org/presentationml/2006/main">
+  <p:cSld>
+    <p:bg>
+      <p:bgPr>
+        <a:blipFill dpi="0" rotWithShape="1">
+          <a:blip r:embed="rId2">
+            <a:lum/>
+          </a:blip>
+          <a:srcRect/>
+          <a:stretch>
+            <a:fillRect/>
+          </a:stretch>
+        </a:blipFill>
+        <a:effectLst/>
+      </p:bgPr>
+    </p:bg>
+    <p:spTree>
+      <p:nvGrpSpPr>
+        <p:cNvPr id="1" name=""/>
+        <p:cNvGrpSpPr/>
+        <p:nvPr/>
+      </p:nvGrpSpPr>
+      <p:grpSpPr>
+        <a:xfrm>
+          <a:off x="0" y="0"/>
+          <a:ext cx="0" cy="0"/>
+          <a:chOff x="0" y="0"/>
+          <a:chExt cx="0" cy="0"/>
+        </a:xfrm>
+      </p:grpSpPr>
+      <p:sp>
+        <p:nvSpPr>
+          <p:cNvPr id="10" name="Прямоугольник 9"/>
+          <p:cNvSpPr/>
+          <p:nvPr/>
+        </p:nvSpPr>
+        <p:spPr>
+          <a:xfrm>
+            <a:off x="5440054" y="413406"/>
+            <a:ext cx="1503489" cy="769441"/>
+          </a:xfrm>
+          <a:prstGeom prst="rect">
+            <a:avLst/>
+          </a:prstGeom>
+          <a:noFill/>
+        </p:spPr>
+        <p:txBody>
+          <a:bodyPr wrap="none" lIns="91440" tIns="45720" rIns="91440" bIns="45720">
+            <a:spAutoFit/>
+          </a:bodyPr>
+          <a:lstStyle/>
+          <a:p>
+            <a:pPr algn="ctr"/>
+            <a:r>
+              <a:rPr lang="ru-RU" sz="4400" dirty="0" err="1" smtClean="0">
+                <a:ln w="0"/>
+                <a:solidFill>
+                  <a:schemeClr val="bg2">
+                    <a:lumMod val="90000"/>
+                  </a:schemeClr>
+                </a:solidFill>
+                <a:latin typeface="Times New Roman" panose="02020603050405020304" pitchFamily="18" charset="0"/>
+                <a:cs typeface="Times New Roman" panose="02020603050405020304" pitchFamily="18" charset="0"/>
+              </a:rPr>
+              <a:t>вапав</a:t>
+            </a:r>
+            <a:endParaRPr lang="ru-RU" sz="4400" dirty="0">
+              <a:ln w="0"/>
+              <a:solidFill>
+                <a:schemeClr val="bg2">
+                  <a:lumMod val="90000"/>
+                </a:schemeClr>
+              </a:solidFill>
+              <a:effectLst>
+                <a:outerShdw blurRad="38100" dist="19050" dir="2700000" algn="tl" rotWithShape="0">
+                  <a:schemeClr val="dk1">
+                    <a:alpha val="40000"/>
+                  </a:schemeClr>
+                </a:outerShdw>
+              </a:effectLst>
+              <a:latin typeface="Times New Roman" panose="02020603050405020304" pitchFamily="18" charset="0"/>
+              <a:cs typeface="Times New Roman" panose="02020603050405020304" pitchFamily="18" charset="0"/>
+            </a:endParaRPr>
+          </a:p>
+        </p:txBody>
+      </p:sp>
+      <p:sp>
+        <p:nvSpPr>
+          <p:cNvPr id="9" name="Номер слайда 8"/>
+          <p:cNvSpPr>
+            <a:spLocks noGrp="1"/>
+          </p:cNvSpPr>
+          <p:nvPr>
+            <p:ph type="sldNum" sz="quarter" idx="12"/>
+          </p:nvPr>
+        </p:nvSpPr>
+        <p:spPr>
+          <a:xfrm>
+            <a:off x="11162923" y="6356350"/>
+            <a:ext cx="875168" cy="334161"/>
+          </a:xfrm>
+        </p:spPr>
+        <p:txBody>
+          <a:bodyPr/>
+          <a:lstStyle/>
+          <a:p>
+            <a:fld id="{88F22FBA-BF31-4D4C-879C-24C2A0178456}" type="slidenum">
+              <a:rPr lang="ru-RU" sz="4800" smtClean="0">
+                <a:latin typeface="Times New Roman" panose="02020603050405020304" pitchFamily="18" charset="0"/>
+                <a:cs typeface="Times New Roman" panose="02020603050405020304" pitchFamily="18" charset="0"/>
+              </a:rPr>
+              <a:t>15</a:t>
+            </a:fld>
+            <a:endParaRPr lang="ru-RU" sz="4800" dirty="0">
+              <a:latin typeface="Times New Roman" panose="02020603050405020304" pitchFamily="18" charset="0"/>
+              <a:cs typeface="Times New Roman" panose="02020603050405020304" pitchFamily="18" charset="0"/>
+            </a:endParaRPr>
+          </a:p>
+        </p:txBody>
+      </p:sp>
+    </p:spTree>
+    <p:extLst>
+      <p:ext uri="{BB962C8B-B14F-4D97-AF65-F5344CB8AC3E}">
+        <p14:creationId xmlns:p14="http://schemas.microsoft.com/office/powerpoint/2010/main" val="2276504302"/>
       </p:ext>
     </p:extLst>
   </p:cSld>
@@ -4492,16 +6172,6 @@
               </a:rPr>
               <a:t>Кластеризация — задача группировки множества объектов на подмножества (кластеры) таким образом, чтобы объекты из одного кластера были более похожи друг на друга, чем на объекты из других кластеров по какому-либо критерию.</a:t>
             </a:r>
-            <a:endParaRPr lang="ru-RU" sz="2400" dirty="0">
-              <a:ln w="0"/>
-              <a:solidFill>
-                <a:schemeClr val="bg2">
-                  <a:lumMod val="90000"/>
-                </a:schemeClr>
-              </a:solidFill>
-              <a:latin typeface="Times New Roman" panose="02020603050405020304" pitchFamily="18" charset="0"/>
-              <a:cs typeface="Times New Roman" panose="02020603050405020304" pitchFamily="18" charset="0"/>
-            </a:endParaRPr>
           </a:p>
         </p:txBody>
       </p:sp>
@@ -4540,16 +6210,6 @@
               </a:rPr>
               <a:t>Классификация — это система распределения предметов, явлений или понятий какой-нибудь области на классы, разделы и разряды.</a:t>
             </a:r>
-            <a:endParaRPr lang="ru-RU" sz="2400" dirty="0">
-              <a:ln w="0"/>
-              <a:solidFill>
-                <a:schemeClr val="bg2">
-                  <a:lumMod val="90000"/>
-                </a:schemeClr>
-              </a:solidFill>
-              <a:latin typeface="Times New Roman" panose="02020603050405020304" pitchFamily="18" charset="0"/>
-              <a:cs typeface="Times New Roman" panose="02020603050405020304" pitchFamily="18" charset="0"/>
-            </a:endParaRPr>
           </a:p>
         </p:txBody>
       </p:sp>
@@ -4954,8 +6614,8 @@
         </p:nvSpPr>
         <p:spPr>
           <a:xfrm>
-            <a:off x="1537188" y="2207264"/>
-            <a:ext cx="9117624" cy="3703578"/>
+            <a:off x="1278292" y="1237168"/>
+            <a:ext cx="9943235" cy="5996513"/>
           </a:xfrm>
           <a:prstGeom prst="rect">
             <a:avLst/>
@@ -5100,8 +6760,128 @@
                 <a:latin typeface="Times New Roman" panose="02020603050405020304" pitchFamily="18" charset="0"/>
                 <a:cs typeface="Times New Roman" panose="02020603050405020304" pitchFamily="18" charset="0"/>
               </a:rPr>
-              <a:t>Алгоритмы, основанные на теории графов </a:t>
-            </a:r>
+              <a:t>Алгоритмы, основанные на теории </a:t>
+            </a:r>
+            <a:r>
+              <a:rPr lang="ru-RU" sz="3200" dirty="0" smtClean="0">
+                <a:solidFill>
+                  <a:schemeClr val="bg2">
+                    <a:lumMod val="90000"/>
+                  </a:schemeClr>
+                </a:solidFill>
+                <a:latin typeface="Times New Roman" panose="02020603050405020304" pitchFamily="18" charset="0"/>
+                <a:cs typeface="Times New Roman" panose="02020603050405020304" pitchFamily="18" charset="0"/>
+              </a:rPr>
+              <a:t>графов</a:t>
+            </a:r>
+          </a:p>
+          <a:p>
+            <a:pPr marL="1371600" lvl="2" indent="-457200" algn="just">
+              <a:lnSpc>
+                <a:spcPct val="150000"/>
+              </a:lnSpc>
+              <a:spcBef>
+                <a:spcPts val="200"/>
+              </a:spcBef>
+              <a:buClr>
+                <a:schemeClr val="bg2">
+                  <a:lumMod val="90000"/>
+                </a:schemeClr>
+              </a:buClr>
+              <a:buFont typeface="Wingdings" panose="05000000000000000000" pitchFamily="2" charset="2"/>
+              <a:buChar char="v"/>
+            </a:pPr>
+            <a:r>
+              <a:rPr lang="ru-RU" sz="3200" dirty="0">
+                <a:solidFill>
+                  <a:schemeClr val="bg2">
+                    <a:lumMod val="90000"/>
+                  </a:schemeClr>
+                </a:solidFill>
+                <a:latin typeface="Times New Roman" panose="02020603050405020304" pitchFamily="18" charset="0"/>
+                <a:cs typeface="Times New Roman" panose="02020603050405020304" pitchFamily="18" charset="0"/>
+              </a:rPr>
+              <a:t>Алгоритм выделения связных </a:t>
+            </a:r>
+            <a:r>
+              <a:rPr lang="ru-RU" sz="3200" dirty="0" smtClean="0">
+                <a:solidFill>
+                  <a:schemeClr val="bg2">
+                    <a:lumMod val="90000"/>
+                  </a:schemeClr>
+                </a:solidFill>
+                <a:latin typeface="Times New Roman" panose="02020603050405020304" pitchFamily="18" charset="0"/>
+                <a:cs typeface="Times New Roman" panose="02020603050405020304" pitchFamily="18" charset="0"/>
+              </a:rPr>
+              <a:t>компонент</a:t>
+            </a:r>
+          </a:p>
+          <a:p>
+            <a:pPr marL="1371600" lvl="2" indent="-457200" algn="just">
+              <a:lnSpc>
+                <a:spcPct val="150000"/>
+              </a:lnSpc>
+              <a:spcBef>
+                <a:spcPts val="200"/>
+              </a:spcBef>
+              <a:buClr>
+                <a:schemeClr val="bg2">
+                  <a:lumMod val="90000"/>
+                </a:schemeClr>
+              </a:buClr>
+              <a:buFont typeface="Wingdings" panose="05000000000000000000" pitchFamily="2" charset="2"/>
+              <a:buChar char="v"/>
+            </a:pPr>
+            <a:r>
+              <a:rPr lang="ru-RU" sz="3200" dirty="0" smtClean="0">
+                <a:solidFill>
+                  <a:schemeClr val="bg2">
+                    <a:lumMod val="90000"/>
+                  </a:schemeClr>
+                </a:solidFill>
+                <a:latin typeface="Times New Roman" panose="02020603050405020304" pitchFamily="18" charset="0"/>
+                <a:cs typeface="Times New Roman" panose="02020603050405020304" pitchFamily="18" charset="0"/>
+              </a:rPr>
+              <a:t>Алгоритм минимального покрывающего дерева</a:t>
+            </a:r>
+          </a:p>
+          <a:p>
+            <a:pPr marL="1371600" lvl="2" indent="-457200" algn="just">
+              <a:lnSpc>
+                <a:spcPct val="150000"/>
+              </a:lnSpc>
+              <a:spcBef>
+                <a:spcPts val="200"/>
+              </a:spcBef>
+              <a:buClr>
+                <a:schemeClr val="bg2">
+                  <a:lumMod val="90000"/>
+                </a:schemeClr>
+              </a:buClr>
+              <a:buFont typeface="Wingdings" panose="05000000000000000000" pitchFamily="2" charset="2"/>
+              <a:buChar char="v"/>
+            </a:pPr>
+            <a:r>
+              <a:rPr lang="ru-RU" sz="3200" dirty="0">
+                <a:solidFill>
+                  <a:schemeClr val="bg2">
+                    <a:lumMod val="90000"/>
+                  </a:schemeClr>
+                </a:solidFill>
+                <a:latin typeface="Times New Roman" panose="02020603050405020304" pitchFamily="18" charset="0"/>
+                <a:cs typeface="Times New Roman" panose="02020603050405020304" pitchFamily="18" charset="0"/>
+              </a:rPr>
+              <a:t>Алгоритм послойной кластеризации  </a:t>
+            </a:r>
+            <a:endParaRPr lang="ru-RU" sz="3200" dirty="0" smtClean="0">
+              <a:solidFill>
+                <a:schemeClr val="bg2">
+                  <a:lumMod val="90000"/>
+                </a:schemeClr>
+              </a:solidFill>
+              <a:latin typeface="Times New Roman" panose="02020603050405020304" pitchFamily="18" charset="0"/>
+              <a:cs typeface="Times New Roman" panose="02020603050405020304" pitchFamily="18" charset="0"/>
+            </a:endParaRPr>
           </a:p>
           <a:p>
             <a:pPr lvl="2" algn="just">
@@ -5153,6 +6933,283 @@
 </file>
 
 <file path=ppt/slides/slide6.xml><?xml version="1.0" encoding="utf-8"?>
+<p:sld xmlns:a="http://schemas.openxmlformats.org/drawingml/2006/main" xmlns:r="http://schemas.openxmlformats.org/officeDocument/2006/relationships" xmlns:p="http://schemas.openxmlformats.org/presentationml/2006/main">
+  <p:cSld>
+    <p:bg>
+      <p:bgPr>
+        <a:blipFill dpi="0" rotWithShape="1">
+          <a:blip r:embed="rId3">
+            <a:lum/>
+          </a:blip>
+          <a:srcRect/>
+          <a:stretch>
+            <a:fillRect/>
+          </a:stretch>
+        </a:blipFill>
+        <a:effectLst/>
+      </p:bgPr>
+    </p:bg>
+    <p:spTree>
+      <p:nvGrpSpPr>
+        <p:cNvPr id="1" name=""/>
+        <p:cNvGrpSpPr/>
+        <p:nvPr/>
+      </p:nvGrpSpPr>
+      <p:grpSpPr>
+        <a:xfrm>
+          <a:off x="0" y="0"/>
+          <a:ext cx="0" cy="0"/>
+          <a:chOff x="0" y="0"/>
+          <a:chExt cx="0" cy="0"/>
+        </a:xfrm>
+      </p:grpSpPr>
+      <p:sp>
+        <p:nvSpPr>
+          <p:cNvPr id="10" name="Прямоугольник 9"/>
+          <p:cNvSpPr/>
+          <p:nvPr/>
+        </p:nvSpPr>
+        <p:spPr>
+          <a:xfrm>
+            <a:off x="3831509" y="395299"/>
+            <a:ext cx="4720588" cy="769441"/>
+          </a:xfrm>
+          <a:prstGeom prst="rect">
+            <a:avLst/>
+          </a:prstGeom>
+          <a:noFill/>
+        </p:spPr>
+        <p:txBody>
+          <a:bodyPr wrap="none" lIns="91440" tIns="45720" rIns="91440" bIns="45720">
+            <a:spAutoFit/>
+          </a:bodyPr>
+          <a:lstStyle/>
+          <a:p>
+            <a:pPr algn="ctr"/>
+            <a:r>
+              <a:rPr lang="ru-RU" sz="4400" dirty="0" smtClean="0">
+                <a:ln w="0"/>
+                <a:solidFill>
+                  <a:schemeClr val="bg2">
+                    <a:lumMod val="90000"/>
+                  </a:schemeClr>
+                </a:solidFill>
+                <a:latin typeface="Times New Roman" panose="02020603050405020304" pitchFamily="18" charset="0"/>
+                <a:cs typeface="Times New Roman" panose="02020603050405020304" pitchFamily="18" charset="0"/>
+              </a:rPr>
+              <a:t>Постановка задачи</a:t>
+            </a:r>
+            <a:endParaRPr lang="ru-RU" sz="4400" dirty="0">
+              <a:ln w="0"/>
+              <a:solidFill>
+                <a:schemeClr val="bg2">
+                  <a:lumMod val="90000"/>
+                </a:schemeClr>
+              </a:solidFill>
+              <a:effectLst>
+                <a:outerShdw blurRad="38100" dist="19050" dir="2700000" algn="tl" rotWithShape="0">
+                  <a:schemeClr val="dk1">
+                    <a:alpha val="40000"/>
+                  </a:schemeClr>
+                </a:outerShdw>
+              </a:effectLst>
+              <a:latin typeface="Times New Roman" panose="02020603050405020304" pitchFamily="18" charset="0"/>
+              <a:cs typeface="Times New Roman" panose="02020603050405020304" pitchFamily="18" charset="0"/>
+            </a:endParaRPr>
+          </a:p>
+        </p:txBody>
+      </p:sp>
+      <p:sp>
+        <p:nvSpPr>
+          <p:cNvPr id="9" name="Номер слайда 8"/>
+          <p:cNvSpPr>
+            <a:spLocks noGrp="1"/>
+          </p:cNvSpPr>
+          <p:nvPr>
+            <p:ph type="sldNum" sz="quarter" idx="12"/>
+          </p:nvPr>
+        </p:nvSpPr>
+        <p:spPr>
+          <a:xfrm>
+            <a:off x="11688024" y="6356350"/>
+            <a:ext cx="503975" cy="334161"/>
+          </a:xfrm>
+        </p:spPr>
+        <p:txBody>
+          <a:bodyPr/>
+          <a:lstStyle/>
+          <a:p>
+            <a:fld id="{88F22FBA-BF31-4D4C-879C-24C2A0178456}" type="slidenum">
+              <a:rPr lang="ru-RU" sz="4800" smtClean="0">
+                <a:latin typeface="Times New Roman" panose="02020603050405020304" pitchFamily="18" charset="0"/>
+                <a:cs typeface="Times New Roman" panose="02020603050405020304" pitchFamily="18" charset="0"/>
+              </a:rPr>
+              <a:t>6</a:t>
+            </a:fld>
+            <a:endParaRPr lang="ru-RU" sz="4800" dirty="0">
+              <a:latin typeface="Times New Roman" panose="02020603050405020304" pitchFamily="18" charset="0"/>
+              <a:cs typeface="Times New Roman" panose="02020603050405020304" pitchFamily="18" charset="0"/>
+            </a:endParaRPr>
+          </a:p>
+        </p:txBody>
+      </p:sp>
+      <p:sp>
+        <p:nvSpPr>
+          <p:cNvPr id="31" name="Rectangle 29"/>
+          <p:cNvSpPr>
+            <a:spLocks noChangeArrowheads="1"/>
+          </p:cNvSpPr>
+          <p:nvPr/>
+        </p:nvSpPr>
+        <p:spPr bwMode="auto">
+          <a:xfrm>
+            <a:off x="0" y="-184666"/>
+            <a:ext cx="184731" cy="369332"/>
+          </a:xfrm>
+          <a:prstGeom prst="rect">
+            <a:avLst/>
+          </a:prstGeom>
+          <a:noFill/>
+          <a:ln>
+            <a:noFill/>
+          </a:ln>
+          <a:effectLst/>
+          <a:extLst>
+            <a:ext uri="{909E8E84-426E-40DD-AFC4-6F175D3DCCD1}">
+              <a14:hiddenFill xmlns:a14="http://schemas.microsoft.com/office/drawing/2010/main">
+                <a:solidFill>
+                  <a:schemeClr val="accent1"/>
+                </a:solidFill>
+              </a14:hiddenFill>
+            </a:ext>
+            <a:ext uri="{91240B29-F687-4F45-9708-019B960494DF}">
+              <a14:hiddenLine xmlns:a14="http://schemas.microsoft.com/office/drawing/2010/main" w="9525">
+                <a:solidFill>
+                  <a:schemeClr val="tx1"/>
+                </a:solidFill>
+                <a:miter lim="800000"/>
+                <a:headEnd/>
+                <a:tailEnd/>
+              </a14:hiddenLine>
+            </a:ext>
+            <a:ext uri="{AF507438-7753-43E0-B8FC-AC1667EBCBE1}">
+              <a14:hiddenEffects xmlns:a14="http://schemas.microsoft.com/office/drawing/2010/main">
+                <a:effectLst>
+                  <a:outerShdw dist="35921" dir="2700000" algn="ctr" rotWithShape="0">
+                    <a:schemeClr val="bg2"/>
+                  </a:outerShdw>
+                </a:effectLst>
+              </a14:hiddenEffects>
+            </a:ext>
+          </a:extLst>
+        </p:spPr>
+        <p:txBody>
+          <a:bodyPr vert="horz" wrap="none" lIns="91440" tIns="45720" rIns="91440" bIns="45720" numCol="1" anchor="ctr" anchorCtr="0" compatLnSpc="1">
+            <a:prstTxWarp prst="textNoShape">
+              <a:avLst/>
+            </a:prstTxWarp>
+            <a:spAutoFit/>
+          </a:bodyPr>
+          <a:lstStyle/>
+          <a:p>
+            <a:endParaRPr lang="ru-RU">
+              <a:solidFill>
+                <a:schemeClr val="bg2">
+                  <a:lumMod val="90000"/>
+                </a:schemeClr>
+              </a:solidFill>
+            </a:endParaRPr>
+          </a:p>
+        </p:txBody>
+      </p:sp>
+      <p:graphicFrame>
+        <p:nvGraphicFramePr>
+          <p:cNvPr id="32" name="Объект 31"/>
+          <p:cNvGraphicFramePr>
+            <a:graphicFrameLocks noChangeAspect="1"/>
+          </p:cNvGraphicFramePr>
+          <p:nvPr>
+            <p:extLst>
+              <p:ext uri="{D42A27DB-BD31-4B8C-83A1-F6EECF244321}">
+                <p14:modId xmlns:p14="http://schemas.microsoft.com/office/powerpoint/2010/main" val="2460859069"/>
+              </p:ext>
+            </p:extLst>
+          </p:nvPr>
+        </p:nvGraphicFramePr>
+        <p:xfrm>
+          <a:off x="1695426" y="1720160"/>
+          <a:ext cx="8801148" cy="3560464"/>
+        </p:xfrm>
+        <a:graphic>
+          <a:graphicData uri="http://schemas.openxmlformats.org/presentationml/2006/ole">
+            <mc:AlternateContent xmlns:mc="http://schemas.openxmlformats.org/markup-compatibility/2006">
+              <mc:Choice xmlns:v="urn:schemas-microsoft-com:vml" Requires="v">
+                <p:oleObj spid="_x0000_s1058" r:id="rId4" imgW="4203700" imgH="1701800" progId="Equation.DSMT4">
+                  <p:embed/>
+                </p:oleObj>
+              </mc:Choice>
+              <mc:Fallback>
+                <p:oleObj r:id="rId4" imgW="4203700" imgH="1701800" progId="Equation.DSMT4">
+                  <p:embed/>
+                  <p:pic>
+                    <p:nvPicPr>
+                      <p:cNvPr id="0" name="Object 28"/>
+                      <p:cNvPicPr>
+                        <a:picLocks noChangeAspect="1" noChangeArrowheads="1"/>
+                      </p:cNvPicPr>
+                      <p:nvPr/>
+                    </p:nvPicPr>
+                    <p:blipFill>
+                      <a:blip r:embed="rId5">
+                        <a:extLst>
+                          <a:ext uri="{28A0092B-C50C-407E-A947-70E740481C1C}">
+                            <a14:useLocalDpi xmlns:a14="http://schemas.microsoft.com/office/drawing/2010/main" val="0"/>
+                          </a:ext>
+                        </a:extLst>
+                      </a:blip>
+                      <a:srcRect/>
+                      <a:stretch>
+                        <a:fillRect/>
+                      </a:stretch>
+                    </p:blipFill>
+                    <p:spPr bwMode="auto">
+                      <a:xfrm>
+                        <a:off x="1695426" y="1720160"/>
+                        <a:ext cx="8801148" cy="3560464"/>
+                      </a:xfrm>
+                      <a:prstGeom prst="rect">
+                        <a:avLst/>
+                      </a:prstGeom>
+                      <a:noFill/>
+                    </p:spPr>
+                  </p:pic>
+                </p:oleObj>
+              </mc:Fallback>
+            </mc:AlternateContent>
+          </a:graphicData>
+        </a:graphic>
+      </p:graphicFrame>
+    </p:spTree>
+    <p:extLst>
+      <p:ext uri="{BB962C8B-B14F-4D97-AF65-F5344CB8AC3E}">
+        <p14:creationId xmlns:p14="http://schemas.microsoft.com/office/powerpoint/2010/main" val="3978548462"/>
+      </p:ext>
+    </p:extLst>
+  </p:cSld>
+  <p:clrMapOvr>
+    <a:masterClrMapping/>
+  </p:clrMapOvr>
+  <p:timing>
+    <p:tnLst>
+      <p:par>
+        <p:cTn id="1" dur="indefinite" restart="never" nodeType="tmRoot"/>
+      </p:par>
+    </p:tnLst>
+  </p:timing>
+</p:sld>
+</file>
+
+<file path=ppt/slides/slide7.xml><?xml version="1.0" encoding="utf-8"?>
 <p:sld xmlns:a="http://schemas.openxmlformats.org/drawingml/2006/main" xmlns:r="http://schemas.openxmlformats.org/officeDocument/2006/relationships" xmlns:p="http://schemas.openxmlformats.org/presentationml/2006/main">
   <p:cSld>
     <p:bg>
@@ -5191,8 +7248,8 @@
         </p:nvSpPr>
         <p:spPr>
           <a:xfrm>
-            <a:off x="3235251" y="413406"/>
-            <a:ext cx="5913094" cy="769441"/>
+            <a:off x="3831509" y="395299"/>
+            <a:ext cx="4720588" cy="769441"/>
           </a:xfrm>
           <a:prstGeom prst="rect">
             <a:avLst/>
@@ -5217,27 +7274,7 @@
                 <a:latin typeface="Times New Roman" panose="02020603050405020304" pitchFamily="18" charset="0"/>
                 <a:cs typeface="Times New Roman" panose="02020603050405020304" pitchFamily="18" charset="0"/>
               </a:rPr>
-              <a:t>Методы</a:t>
-            </a:r>
-            <a:r>
-              <a:rPr lang="ru-RU" sz="4400" dirty="0" smtClean="0">
-                <a:ln w="0"/>
-                <a:solidFill>
-                  <a:schemeClr val="bg2">
-                    <a:lumMod val="90000"/>
-                  </a:schemeClr>
-                </a:solidFill>
-                <a:effectLst>
-                  <a:outerShdw blurRad="38100" dist="19050" dir="2700000" algn="tl" rotWithShape="0">
-                    <a:schemeClr val="dk1">
-                      <a:alpha val="40000"/>
-                    </a:schemeClr>
-                  </a:outerShdw>
-                </a:effectLst>
-                <a:latin typeface="Times New Roman" panose="02020603050405020304" pitchFamily="18" charset="0"/>
-                <a:cs typeface="Times New Roman" panose="02020603050405020304" pitchFamily="18" charset="0"/>
-              </a:rPr>
-              <a:t> кластеризации</a:t>
+              <a:t>Постановка задачи</a:t>
             </a:r>
             <a:endParaRPr lang="ru-RU" sz="4400" dirty="0">
               <a:ln w="0"/>
@@ -5284,7 +7321,7 @@
                 <a:latin typeface="Times New Roman" panose="02020603050405020304" pitchFamily="18" charset="0"/>
                 <a:cs typeface="Times New Roman" panose="02020603050405020304" pitchFamily="18" charset="0"/>
               </a:rPr>
-              <a:t>6</a:t>
+              <a:t>7</a:t>
             </a:fld>
             <a:endParaRPr lang="ru-RU" sz="4800" dirty="0">
               <a:latin typeface="Times New Roman" panose="02020603050405020304" pitchFamily="18" charset="0"/>
@@ -5293,10 +7330,1043 @@
           </a:p>
         </p:txBody>
       </p:sp>
+      <p:sp>
+        <p:nvSpPr>
+          <p:cNvPr id="31" name="Rectangle 29"/>
+          <p:cNvSpPr>
+            <a:spLocks noChangeArrowheads="1"/>
+          </p:cNvSpPr>
+          <p:nvPr/>
+        </p:nvSpPr>
+        <p:spPr bwMode="auto">
+          <a:xfrm>
+            <a:off x="0" y="-184666"/>
+            <a:ext cx="184731" cy="369332"/>
+          </a:xfrm>
+          <a:prstGeom prst="rect">
+            <a:avLst/>
+          </a:prstGeom>
+          <a:noFill/>
+          <a:ln>
+            <a:noFill/>
+          </a:ln>
+          <a:effectLst/>
+          <a:extLst>
+            <a:ext uri="{909E8E84-426E-40DD-AFC4-6F175D3DCCD1}">
+              <a14:hiddenFill xmlns:a14="http://schemas.microsoft.com/office/drawing/2010/main">
+                <a:solidFill>
+                  <a:schemeClr val="accent1"/>
+                </a:solidFill>
+              </a14:hiddenFill>
+            </a:ext>
+            <a:ext uri="{91240B29-F687-4F45-9708-019B960494DF}">
+              <a14:hiddenLine xmlns:a14="http://schemas.microsoft.com/office/drawing/2010/main" w="9525">
+                <a:solidFill>
+                  <a:schemeClr val="tx1"/>
+                </a:solidFill>
+                <a:miter lim="800000"/>
+                <a:headEnd/>
+                <a:tailEnd/>
+              </a14:hiddenLine>
+            </a:ext>
+            <a:ext uri="{AF507438-7753-43E0-B8FC-AC1667EBCBE1}">
+              <a14:hiddenEffects xmlns:a14="http://schemas.microsoft.com/office/drawing/2010/main">
+                <a:effectLst>
+                  <a:outerShdw dist="35921" dir="2700000" algn="ctr" rotWithShape="0">
+                    <a:schemeClr val="bg2"/>
+                  </a:outerShdw>
+                </a:effectLst>
+              </a14:hiddenEffects>
+            </a:ext>
+          </a:extLst>
+        </p:spPr>
+        <p:txBody>
+          <a:bodyPr vert="horz" wrap="none" lIns="91440" tIns="45720" rIns="91440" bIns="45720" numCol="1" anchor="ctr" anchorCtr="0" compatLnSpc="1">
+            <a:prstTxWarp prst="textNoShape">
+              <a:avLst/>
+            </a:prstTxWarp>
+            <a:spAutoFit/>
+          </a:bodyPr>
+          <a:lstStyle/>
+          <a:p>
+            <a:endParaRPr lang="ru-RU">
+              <a:solidFill>
+                <a:schemeClr val="bg2">
+                  <a:lumMod val="90000"/>
+                </a:schemeClr>
+              </a:solidFill>
+            </a:endParaRPr>
+          </a:p>
+        </p:txBody>
+      </p:sp>
+      <p:sp>
+        <p:nvSpPr>
+          <p:cNvPr id="6" name="Прямоугольник 5"/>
+          <p:cNvSpPr/>
+          <p:nvPr/>
+        </p:nvSpPr>
+        <p:spPr>
+          <a:xfrm>
+            <a:off x="1981865" y="1907599"/>
+            <a:ext cx="6570231" cy="1754326"/>
+          </a:xfrm>
+          <a:prstGeom prst="rect">
+            <a:avLst/>
+          </a:prstGeom>
+        </p:spPr>
+        <p:txBody>
+          <a:bodyPr wrap="square">
+            <a:spAutoFit/>
+          </a:bodyPr>
+          <a:lstStyle/>
+          <a:p>
+            <a:pPr indent="450215" algn="just">
+              <a:lnSpc>
+                <a:spcPct val="150000"/>
+              </a:lnSpc>
+              <a:spcAft>
+                <a:spcPts val="0"/>
+              </a:spcAft>
+            </a:pPr>
+            <a:r>
+              <a:rPr lang="ru-RU" dirty="0" smtClean="0">
+                <a:solidFill>
+                  <a:schemeClr val="bg2">
+                    <a:lumMod val="90000"/>
+                  </a:schemeClr>
+                </a:solidFill>
+                <a:latin typeface="Times New Roman" panose="02020603050405020304" pitchFamily="18" charset="0"/>
+                <a:ea typeface="Calibri" panose="020F0502020204030204" pitchFamily="34" charset="0"/>
+              </a:rPr>
+              <a:t>Обозначения</a:t>
+            </a:r>
+          </a:p>
+          <a:p>
+            <a:pPr indent="450215" algn="just">
+              <a:lnSpc>
+                <a:spcPct val="150000"/>
+              </a:lnSpc>
+              <a:spcAft>
+                <a:spcPts val="0"/>
+              </a:spcAft>
+            </a:pPr>
+            <a:r>
+              <a:rPr lang="en-US" i="1" dirty="0">
+                <a:solidFill>
+                  <a:schemeClr val="bg2">
+                    <a:lumMod val="90000"/>
+                  </a:schemeClr>
+                </a:solidFill>
+              </a:rPr>
+              <a:t>D</a:t>
+            </a:r>
+            <a:r>
+              <a:rPr lang="ru-RU" dirty="0">
+                <a:solidFill>
+                  <a:schemeClr val="bg2">
+                    <a:lumMod val="90000"/>
+                  </a:schemeClr>
+                </a:solidFill>
+              </a:rPr>
+              <a:t> – исходное множество документов </a:t>
+            </a:r>
+            <a:r>
+              <a:rPr lang="ru-RU" dirty="0" smtClean="0">
+                <a:solidFill>
+                  <a:schemeClr val="bg2">
+                    <a:lumMod val="90000"/>
+                  </a:schemeClr>
+                </a:solidFill>
+              </a:rPr>
+              <a:t>коллекции</a:t>
+            </a:r>
+          </a:p>
+          <a:p>
+            <a:pPr indent="450215" algn="just">
+              <a:lnSpc>
+                <a:spcPct val="150000"/>
+              </a:lnSpc>
+              <a:spcAft>
+                <a:spcPts val="0"/>
+              </a:spcAft>
+            </a:pPr>
+            <a:r>
+              <a:rPr lang="en-US" i="1" dirty="0">
+                <a:solidFill>
+                  <a:schemeClr val="bg2">
+                    <a:lumMod val="90000"/>
+                  </a:schemeClr>
+                </a:solidFill>
+              </a:rPr>
+              <a:t>d</a:t>
+            </a:r>
+            <a:r>
+              <a:rPr lang="en-US" i="1" baseline="-25000" dirty="0">
+                <a:solidFill>
+                  <a:schemeClr val="bg2">
+                    <a:lumMod val="90000"/>
+                  </a:schemeClr>
+                </a:solidFill>
+              </a:rPr>
+              <a:t>i</a:t>
+            </a:r>
+            <a:r>
+              <a:rPr lang="en-US" dirty="0">
+                <a:solidFill>
+                  <a:schemeClr val="bg2">
+                    <a:lumMod val="90000"/>
+                  </a:schemeClr>
+                </a:solidFill>
+              </a:rPr>
+              <a:t> </a:t>
+            </a:r>
+            <a:r>
+              <a:rPr lang="ru-RU" dirty="0">
+                <a:solidFill>
+                  <a:schemeClr val="bg2">
+                    <a:lumMod val="90000"/>
+                  </a:schemeClr>
+                </a:solidFill>
+                <a:sym typeface="Symbol" panose="05050102010706020507" pitchFamily="18" charset="2"/>
+              </a:rPr>
+              <a:t></a:t>
+            </a:r>
+            <a:r>
+              <a:rPr lang="ru-RU" dirty="0">
+                <a:solidFill>
+                  <a:schemeClr val="bg2">
+                    <a:lumMod val="90000"/>
+                  </a:schemeClr>
+                </a:solidFill>
+              </a:rPr>
+              <a:t> </a:t>
+            </a:r>
+            <a:r>
+              <a:rPr lang="en-US" i="1" dirty="0">
+                <a:solidFill>
+                  <a:schemeClr val="bg2">
+                    <a:lumMod val="90000"/>
+                  </a:schemeClr>
+                </a:solidFill>
+              </a:rPr>
+              <a:t>D</a:t>
+            </a:r>
+            <a:r>
+              <a:rPr lang="ru-RU" dirty="0">
+                <a:solidFill>
+                  <a:schemeClr val="bg2">
+                    <a:lumMod val="90000"/>
+                  </a:schemeClr>
+                </a:solidFill>
+              </a:rPr>
+              <a:t> – </a:t>
+            </a:r>
+            <a:r>
+              <a:rPr lang="en-US" i="1" dirty="0" err="1">
+                <a:solidFill>
+                  <a:schemeClr val="bg2">
+                    <a:lumMod val="90000"/>
+                  </a:schemeClr>
+                </a:solidFill>
+              </a:rPr>
+              <a:t>i</a:t>
+            </a:r>
+            <a:r>
+              <a:rPr lang="ru-RU" dirty="0">
+                <a:solidFill>
+                  <a:schemeClr val="bg2">
+                    <a:lumMod val="90000"/>
+                  </a:schemeClr>
+                </a:solidFill>
+              </a:rPr>
+              <a:t>-й документ множества </a:t>
+            </a:r>
+            <a:r>
+              <a:rPr lang="en-US" i="1" dirty="0" smtClean="0">
+                <a:solidFill>
+                  <a:schemeClr val="bg2">
+                    <a:lumMod val="90000"/>
+                  </a:schemeClr>
+                </a:solidFill>
+              </a:rPr>
+              <a:t>D</a:t>
+            </a:r>
+            <a:endParaRPr lang="ru-RU" i="1" dirty="0" smtClean="0">
+              <a:solidFill>
+                <a:schemeClr val="bg2">
+                  <a:lumMod val="90000"/>
+                </a:schemeClr>
+              </a:solidFill>
+            </a:endParaRPr>
+          </a:p>
+          <a:p>
+            <a:pPr indent="450215" algn="just">
+              <a:lnSpc>
+                <a:spcPct val="150000"/>
+              </a:lnSpc>
+              <a:spcAft>
+                <a:spcPts val="0"/>
+              </a:spcAft>
+            </a:pPr>
+            <a:endParaRPr lang="ru-RU" dirty="0">
+              <a:solidFill>
+                <a:schemeClr val="bg2">
+                  <a:lumMod val="90000"/>
+                </a:schemeClr>
+              </a:solidFill>
+              <a:latin typeface="Times New Roman" panose="02020603050405020304" pitchFamily="18" charset="0"/>
+              <a:ea typeface="Calibri" panose="020F0502020204030204" pitchFamily="34" charset="0"/>
+            </a:endParaRPr>
+          </a:p>
+        </p:txBody>
+      </p:sp>
     </p:spTree>
     <p:extLst>
       <p:ext uri="{BB962C8B-B14F-4D97-AF65-F5344CB8AC3E}">
-        <p14:creationId xmlns:p14="http://schemas.microsoft.com/office/powerpoint/2010/main" val="3978548462"/>
+        <p14:creationId xmlns:p14="http://schemas.microsoft.com/office/powerpoint/2010/main" val="924074412"/>
+      </p:ext>
+    </p:extLst>
+  </p:cSld>
+  <p:clrMapOvr>
+    <a:masterClrMapping/>
+  </p:clrMapOvr>
+  <p:timing>
+    <p:tnLst>
+      <p:par>
+        <p:cTn id="1" dur="indefinite" restart="never" nodeType="tmRoot"/>
+      </p:par>
+    </p:tnLst>
+  </p:timing>
+</p:sld>
+</file>
+
+<file path=ppt/slides/slide8.xml><?xml version="1.0" encoding="utf-8"?>
+<p:sld xmlns:a="http://schemas.openxmlformats.org/drawingml/2006/main" xmlns:r="http://schemas.openxmlformats.org/officeDocument/2006/relationships" xmlns:p="http://schemas.openxmlformats.org/presentationml/2006/main">
+  <p:cSld>
+    <p:bg>
+      <p:bgPr>
+        <a:blipFill dpi="0" rotWithShape="1">
+          <a:blip r:embed="rId2">
+            <a:lum/>
+          </a:blip>
+          <a:srcRect/>
+          <a:stretch>
+            <a:fillRect/>
+          </a:stretch>
+        </a:blipFill>
+        <a:effectLst/>
+      </p:bgPr>
+    </p:bg>
+    <p:spTree>
+      <p:nvGrpSpPr>
+        <p:cNvPr id="1" name=""/>
+        <p:cNvGrpSpPr/>
+        <p:nvPr/>
+      </p:nvGrpSpPr>
+      <p:grpSpPr>
+        <a:xfrm>
+          <a:off x="0" y="0"/>
+          <a:ext cx="0" cy="0"/>
+          <a:chOff x="0" y="0"/>
+          <a:chExt cx="0" cy="0"/>
+        </a:xfrm>
+      </p:grpSpPr>
+      <p:sp>
+        <p:nvSpPr>
+          <p:cNvPr id="10" name="Прямоугольник 9"/>
+          <p:cNvSpPr/>
+          <p:nvPr/>
+        </p:nvSpPr>
+        <p:spPr>
+          <a:xfrm>
+            <a:off x="-69681" y="413406"/>
+            <a:ext cx="12522980" cy="769441"/>
+          </a:xfrm>
+          <a:prstGeom prst="rect">
+            <a:avLst/>
+          </a:prstGeom>
+          <a:noFill/>
+        </p:spPr>
+        <p:txBody>
+          <a:bodyPr wrap="none" lIns="91440" tIns="45720" rIns="91440" bIns="45720">
+            <a:spAutoFit/>
+          </a:bodyPr>
+          <a:lstStyle/>
+          <a:p>
+            <a:pPr algn="ctr"/>
+            <a:r>
+              <a:rPr lang="ru-RU" sz="4400" dirty="0" smtClean="0">
+                <a:ln w="0"/>
+                <a:solidFill>
+                  <a:schemeClr val="bg2">
+                    <a:lumMod val="90000"/>
+                  </a:schemeClr>
+                </a:solidFill>
+                <a:latin typeface="Times New Roman" panose="02020603050405020304" pitchFamily="18" charset="0"/>
+                <a:cs typeface="Times New Roman" panose="02020603050405020304" pitchFamily="18" charset="0"/>
+              </a:rPr>
+              <a:t>Кластеризация )) заменить на слайды с решением</a:t>
+            </a:r>
+            <a:endParaRPr lang="ru-RU" sz="4400" dirty="0">
+              <a:ln w="0"/>
+              <a:solidFill>
+                <a:schemeClr val="bg2">
+                  <a:lumMod val="90000"/>
+                </a:schemeClr>
+              </a:solidFill>
+              <a:effectLst>
+                <a:outerShdw blurRad="38100" dist="19050" dir="2700000" algn="tl" rotWithShape="0">
+                  <a:schemeClr val="dk1">
+                    <a:alpha val="40000"/>
+                  </a:schemeClr>
+                </a:outerShdw>
+              </a:effectLst>
+              <a:latin typeface="Times New Roman" panose="02020603050405020304" pitchFamily="18" charset="0"/>
+              <a:cs typeface="Times New Roman" panose="02020603050405020304" pitchFamily="18" charset="0"/>
+            </a:endParaRPr>
+          </a:p>
+        </p:txBody>
+      </p:sp>
+      <p:sp>
+        <p:nvSpPr>
+          <p:cNvPr id="9" name="Номер слайда 8"/>
+          <p:cNvSpPr>
+            <a:spLocks noGrp="1"/>
+          </p:cNvSpPr>
+          <p:nvPr>
+            <p:ph type="sldNum" sz="quarter" idx="12"/>
+          </p:nvPr>
+        </p:nvSpPr>
+        <p:spPr>
+          <a:xfrm>
+            <a:off x="11688024" y="6356350"/>
+            <a:ext cx="503975" cy="334161"/>
+          </a:xfrm>
+        </p:spPr>
+        <p:txBody>
+          <a:bodyPr/>
+          <a:lstStyle/>
+          <a:p>
+            <a:fld id="{88F22FBA-BF31-4D4C-879C-24C2A0178456}" type="slidenum">
+              <a:rPr lang="ru-RU" sz="4800" smtClean="0">
+                <a:latin typeface="Times New Roman" panose="02020603050405020304" pitchFamily="18" charset="0"/>
+                <a:cs typeface="Times New Roman" panose="02020603050405020304" pitchFamily="18" charset="0"/>
+              </a:rPr>
+              <a:t>8</a:t>
+            </a:fld>
+            <a:endParaRPr lang="ru-RU" sz="4800" dirty="0">
+              <a:latin typeface="Times New Roman" panose="02020603050405020304" pitchFamily="18" charset="0"/>
+              <a:cs typeface="Times New Roman" panose="02020603050405020304" pitchFamily="18" charset="0"/>
+            </a:endParaRPr>
+          </a:p>
+        </p:txBody>
+      </p:sp>
+      <p:sp>
+        <p:nvSpPr>
+          <p:cNvPr id="2" name="Прямоугольник 1"/>
+          <p:cNvSpPr/>
+          <p:nvPr/>
+        </p:nvSpPr>
+        <p:spPr>
+          <a:xfrm>
+            <a:off x="1379144" y="1720840"/>
+            <a:ext cx="9433711" cy="4457952"/>
+          </a:xfrm>
+          <a:prstGeom prst="rect">
+            <a:avLst/>
+          </a:prstGeom>
+        </p:spPr>
+        <p:txBody>
+          <a:bodyPr wrap="square">
+            <a:spAutoFit/>
+          </a:bodyPr>
+          <a:lstStyle/>
+          <a:p>
+            <a:pPr marL="449580" indent="635" algn="just">
+              <a:lnSpc>
+                <a:spcPct val="150000"/>
+              </a:lnSpc>
+              <a:spcAft>
+                <a:spcPts val="0"/>
+              </a:spcAft>
+            </a:pPr>
+            <a:r>
+              <a:rPr lang="ru-RU" sz="2400" i="1" dirty="0">
+                <a:solidFill>
+                  <a:schemeClr val="bg2">
+                    <a:lumMod val="90000"/>
+                  </a:schemeClr>
+                </a:solidFill>
+                <a:latin typeface="Times New Roman" panose="02020603050405020304" pitchFamily="18" charset="0"/>
+                <a:ea typeface="Calibri" panose="020F0502020204030204" pitchFamily="34" charset="0"/>
+              </a:rPr>
+              <a:t>Шаг 1</a:t>
+            </a:r>
+            <a:r>
+              <a:rPr lang="ru-RU" sz="2400" dirty="0">
+                <a:solidFill>
+                  <a:schemeClr val="bg2">
+                    <a:lumMod val="90000"/>
+                  </a:schemeClr>
+                </a:solidFill>
+                <a:latin typeface="Times New Roman" panose="02020603050405020304" pitchFamily="18" charset="0"/>
+                <a:ea typeface="Calibri" panose="020F0502020204030204" pitchFamily="34" charset="0"/>
+              </a:rPr>
+              <a:t>. Считать содержимое всех файлов и объединить слова в единый список, предварительно определив основу каждого слова;</a:t>
+            </a:r>
+          </a:p>
+          <a:p>
+            <a:pPr marL="449580" indent="635" algn="just">
+              <a:lnSpc>
+                <a:spcPct val="150000"/>
+              </a:lnSpc>
+              <a:spcAft>
+                <a:spcPts val="0"/>
+              </a:spcAft>
+            </a:pPr>
+            <a:r>
+              <a:rPr lang="ru-RU" sz="2400" i="1" dirty="0">
+                <a:solidFill>
+                  <a:schemeClr val="bg2">
+                    <a:lumMod val="90000"/>
+                  </a:schemeClr>
+                </a:solidFill>
+                <a:latin typeface="Times New Roman" panose="02020603050405020304" pitchFamily="18" charset="0"/>
+                <a:ea typeface="Calibri" panose="020F0502020204030204" pitchFamily="34" charset="0"/>
+              </a:rPr>
+              <a:t>Шаг 2</a:t>
+            </a:r>
+            <a:r>
+              <a:rPr lang="ru-RU" sz="2400" dirty="0">
+                <a:solidFill>
+                  <a:schemeClr val="bg2">
+                    <a:lumMod val="90000"/>
+                  </a:schemeClr>
+                </a:solidFill>
+                <a:latin typeface="Times New Roman" panose="02020603050405020304" pitchFamily="18" charset="0"/>
+                <a:ea typeface="Calibri" panose="020F0502020204030204" pitchFamily="34" charset="0"/>
+              </a:rPr>
+              <a:t>. Строим матрицу схожести документов, используя выбранную меру расстояния и </a:t>
+            </a:r>
+            <a:r>
+              <a:rPr lang="en-US" sz="2400" dirty="0">
+                <a:solidFill>
+                  <a:schemeClr val="bg2">
+                    <a:lumMod val="90000"/>
+                  </a:schemeClr>
+                </a:solidFill>
+                <a:latin typeface="Times New Roman" panose="02020603050405020304" pitchFamily="18" charset="0"/>
+                <a:ea typeface="Calibri" panose="020F0502020204030204" pitchFamily="34" charset="0"/>
+              </a:rPr>
+              <a:t>TF</a:t>
+            </a:r>
+            <a:r>
+              <a:rPr lang="ru-RU" sz="2400" dirty="0">
+                <a:solidFill>
+                  <a:schemeClr val="bg2">
+                    <a:lumMod val="90000"/>
+                  </a:schemeClr>
+                </a:solidFill>
+                <a:latin typeface="Times New Roman" panose="02020603050405020304" pitchFamily="18" charset="0"/>
+                <a:ea typeface="Calibri" panose="020F0502020204030204" pitchFamily="34" charset="0"/>
+              </a:rPr>
+              <a:t>-</a:t>
+            </a:r>
+            <a:r>
+              <a:rPr lang="en-US" sz="2400" dirty="0">
+                <a:solidFill>
+                  <a:schemeClr val="bg2">
+                    <a:lumMod val="90000"/>
+                  </a:schemeClr>
+                </a:solidFill>
+                <a:latin typeface="Times New Roman" panose="02020603050405020304" pitchFamily="18" charset="0"/>
+                <a:ea typeface="Calibri" panose="020F0502020204030204" pitchFamily="34" charset="0"/>
+              </a:rPr>
+              <a:t>IDF</a:t>
+            </a:r>
+            <a:r>
+              <a:rPr lang="ru-RU" sz="2400" dirty="0">
+                <a:solidFill>
+                  <a:schemeClr val="bg2">
+                    <a:lumMod val="90000"/>
+                  </a:schemeClr>
+                </a:solidFill>
+                <a:latin typeface="Times New Roman" panose="02020603050405020304" pitchFamily="18" charset="0"/>
+                <a:ea typeface="Calibri" panose="020F0502020204030204" pitchFamily="34" charset="0"/>
+              </a:rPr>
+              <a:t>;</a:t>
+            </a:r>
+          </a:p>
+          <a:p>
+            <a:pPr marL="449580" indent="635" algn="just">
+              <a:lnSpc>
+                <a:spcPct val="150000"/>
+              </a:lnSpc>
+              <a:spcAft>
+                <a:spcPts val="0"/>
+              </a:spcAft>
+            </a:pPr>
+            <a:r>
+              <a:rPr lang="ru-RU" sz="2400" i="1" dirty="0">
+                <a:solidFill>
+                  <a:schemeClr val="bg2">
+                    <a:lumMod val="90000"/>
+                  </a:schemeClr>
+                </a:solidFill>
+                <a:latin typeface="Times New Roman" panose="02020603050405020304" pitchFamily="18" charset="0"/>
+                <a:ea typeface="Calibri" panose="020F0502020204030204" pitchFamily="34" charset="0"/>
+              </a:rPr>
+              <a:t>Шаг 3</a:t>
+            </a:r>
+            <a:r>
+              <a:rPr lang="ru-RU" sz="2400" dirty="0">
+                <a:solidFill>
+                  <a:schemeClr val="bg2">
+                    <a:lumMod val="90000"/>
+                  </a:schemeClr>
+                </a:solidFill>
+                <a:latin typeface="Times New Roman" panose="02020603050405020304" pitchFamily="18" charset="0"/>
+                <a:ea typeface="Calibri" panose="020F0502020204030204" pitchFamily="34" charset="0"/>
+              </a:rPr>
+              <a:t>. Нормализуем полученную на предыдущем шаге матрицу;</a:t>
+            </a:r>
+          </a:p>
+          <a:p>
+            <a:pPr marL="449580" indent="635" algn="just">
+              <a:lnSpc>
+                <a:spcPct val="150000"/>
+              </a:lnSpc>
+              <a:spcAft>
+                <a:spcPts val="0"/>
+              </a:spcAft>
+            </a:pPr>
+            <a:r>
+              <a:rPr lang="ru-RU" sz="2400" i="1" dirty="0">
+                <a:solidFill>
+                  <a:schemeClr val="bg2">
+                    <a:lumMod val="90000"/>
+                  </a:schemeClr>
+                </a:solidFill>
+                <a:latin typeface="Times New Roman" panose="02020603050405020304" pitchFamily="18" charset="0"/>
+                <a:ea typeface="Calibri" panose="020F0502020204030204" pitchFamily="34" charset="0"/>
+              </a:rPr>
+              <a:t>Шаг 4</a:t>
+            </a:r>
+            <a:r>
+              <a:rPr lang="ru-RU" sz="2400" dirty="0">
+                <a:solidFill>
+                  <a:schemeClr val="bg2">
+                    <a:lumMod val="90000"/>
+                  </a:schemeClr>
+                </a:solidFill>
+                <a:latin typeface="Times New Roman" panose="02020603050405020304" pitchFamily="18" charset="0"/>
+                <a:ea typeface="Calibri" panose="020F0502020204030204" pitchFamily="34" charset="0"/>
+              </a:rPr>
+              <a:t>. Используя алгоритм Прима, строим минимальное </a:t>
+            </a:r>
+            <a:r>
+              <a:rPr lang="ru-RU" sz="2400" dirty="0" err="1">
+                <a:solidFill>
+                  <a:schemeClr val="bg2">
+                    <a:lumMod val="90000"/>
+                  </a:schemeClr>
+                </a:solidFill>
+                <a:latin typeface="Times New Roman" panose="02020603050405020304" pitchFamily="18" charset="0"/>
+                <a:ea typeface="Calibri" panose="020F0502020204030204" pitchFamily="34" charset="0"/>
+              </a:rPr>
+              <a:t>остовное</a:t>
+            </a:r>
+            <a:r>
+              <a:rPr lang="ru-RU" sz="2400" dirty="0">
+                <a:solidFill>
+                  <a:schemeClr val="bg2">
+                    <a:lumMod val="90000"/>
+                  </a:schemeClr>
+                </a:solidFill>
+                <a:latin typeface="Times New Roman" panose="02020603050405020304" pitchFamily="18" charset="0"/>
+                <a:ea typeface="Calibri" panose="020F0502020204030204" pitchFamily="34" charset="0"/>
+              </a:rPr>
+              <a:t> дерево и удаляем ребра таким образом, чтобы расстояние между документами, попавшими в одну группу было минимальным.</a:t>
+            </a:r>
+          </a:p>
+        </p:txBody>
+      </p:sp>
+    </p:spTree>
+    <p:extLst>
+      <p:ext uri="{BB962C8B-B14F-4D97-AF65-F5344CB8AC3E}">
+        <p14:creationId xmlns:p14="http://schemas.microsoft.com/office/powerpoint/2010/main" val="1499733091"/>
+      </p:ext>
+    </p:extLst>
+  </p:cSld>
+  <p:clrMapOvr>
+    <a:masterClrMapping/>
+  </p:clrMapOvr>
+  <p:timing>
+    <p:tnLst>
+      <p:par>
+        <p:cTn id="1" dur="indefinite" restart="never" nodeType="tmRoot"/>
+      </p:par>
+    </p:tnLst>
+  </p:timing>
+</p:sld>
+</file>
+
+<file path=ppt/slides/slide9.xml><?xml version="1.0" encoding="utf-8"?>
+<p:sld xmlns:a="http://schemas.openxmlformats.org/drawingml/2006/main" xmlns:r="http://schemas.openxmlformats.org/officeDocument/2006/relationships" xmlns:p="http://schemas.openxmlformats.org/presentationml/2006/main">
+  <p:cSld>
+    <p:bg>
+      <p:bgPr>
+        <a:blipFill dpi="0" rotWithShape="1">
+          <a:blip r:embed="rId2">
+            <a:lum/>
+          </a:blip>
+          <a:srcRect/>
+          <a:stretch>
+            <a:fillRect/>
+          </a:stretch>
+        </a:blipFill>
+        <a:effectLst/>
+      </p:bgPr>
+    </p:bg>
+    <p:spTree>
+      <p:nvGrpSpPr>
+        <p:cNvPr id="1" name=""/>
+        <p:cNvGrpSpPr/>
+        <p:nvPr/>
+      </p:nvGrpSpPr>
+      <p:grpSpPr>
+        <a:xfrm>
+          <a:off x="0" y="0"/>
+          <a:ext cx="0" cy="0"/>
+          <a:chOff x="0" y="0"/>
+          <a:chExt cx="0" cy="0"/>
+        </a:xfrm>
+      </p:grpSpPr>
+      <p:sp>
+        <p:nvSpPr>
+          <p:cNvPr id="10" name="Прямоугольник 9"/>
+          <p:cNvSpPr/>
+          <p:nvPr/>
+        </p:nvSpPr>
+        <p:spPr>
+          <a:xfrm>
+            <a:off x="121326" y="413406"/>
+            <a:ext cx="12140952" cy="769441"/>
+          </a:xfrm>
+          <a:prstGeom prst="rect">
+            <a:avLst/>
+          </a:prstGeom>
+          <a:noFill/>
+        </p:spPr>
+        <p:txBody>
+          <a:bodyPr wrap="none" lIns="91440" tIns="45720" rIns="91440" bIns="45720">
+            <a:spAutoFit/>
+          </a:bodyPr>
+          <a:lstStyle/>
+          <a:p>
+            <a:pPr algn="ctr"/>
+            <a:r>
+              <a:rPr lang="ru-RU" sz="4400" dirty="0">
+                <a:ln w="0"/>
+                <a:solidFill>
+                  <a:schemeClr val="bg2">
+                    <a:lumMod val="90000"/>
+                  </a:schemeClr>
+                </a:solidFill>
+                <a:latin typeface="Times New Roman" panose="02020603050405020304" pitchFamily="18" charset="0"/>
+                <a:cs typeface="Times New Roman" panose="02020603050405020304" pitchFamily="18" charset="0"/>
+              </a:rPr>
+              <a:t>Классификация ) заменить на слайды с </a:t>
+            </a:r>
+            <a:r>
+              <a:rPr lang="ru-RU" sz="4400" dirty="0" smtClean="0">
+                <a:ln w="0"/>
+                <a:solidFill>
+                  <a:schemeClr val="bg2">
+                    <a:lumMod val="90000"/>
+                  </a:schemeClr>
+                </a:solidFill>
+                <a:latin typeface="Times New Roman" panose="02020603050405020304" pitchFamily="18" charset="0"/>
+                <a:cs typeface="Times New Roman" panose="02020603050405020304" pitchFamily="18" charset="0"/>
+              </a:rPr>
+              <a:t>решением</a:t>
+            </a:r>
+            <a:endParaRPr lang="ru-RU" sz="4400" dirty="0">
+              <a:ln w="0"/>
+              <a:solidFill>
+                <a:schemeClr val="bg2">
+                  <a:lumMod val="90000"/>
+                </a:schemeClr>
+              </a:solidFill>
+              <a:effectLst>
+                <a:outerShdw blurRad="38100" dist="19050" dir="2700000" algn="tl" rotWithShape="0">
+                  <a:schemeClr val="dk1">
+                    <a:alpha val="40000"/>
+                  </a:schemeClr>
+                </a:outerShdw>
+              </a:effectLst>
+              <a:latin typeface="Times New Roman" panose="02020603050405020304" pitchFamily="18" charset="0"/>
+              <a:cs typeface="Times New Roman" panose="02020603050405020304" pitchFamily="18" charset="0"/>
+            </a:endParaRPr>
+          </a:p>
+        </p:txBody>
+      </p:sp>
+      <p:sp>
+        <p:nvSpPr>
+          <p:cNvPr id="9" name="Номер слайда 8"/>
+          <p:cNvSpPr>
+            <a:spLocks noGrp="1"/>
+          </p:cNvSpPr>
+          <p:nvPr>
+            <p:ph type="sldNum" sz="quarter" idx="12"/>
+          </p:nvPr>
+        </p:nvSpPr>
+        <p:spPr>
+          <a:xfrm>
+            <a:off x="11688024" y="6356350"/>
+            <a:ext cx="503975" cy="334161"/>
+          </a:xfrm>
+        </p:spPr>
+        <p:txBody>
+          <a:bodyPr/>
+          <a:lstStyle/>
+          <a:p>
+            <a:fld id="{88F22FBA-BF31-4D4C-879C-24C2A0178456}" type="slidenum">
+              <a:rPr lang="ru-RU" sz="4800" smtClean="0">
+                <a:latin typeface="Times New Roman" panose="02020603050405020304" pitchFamily="18" charset="0"/>
+                <a:cs typeface="Times New Roman" panose="02020603050405020304" pitchFamily="18" charset="0"/>
+              </a:rPr>
+              <a:t>9</a:t>
+            </a:fld>
+            <a:endParaRPr lang="ru-RU" sz="4800" dirty="0">
+              <a:latin typeface="Times New Roman" panose="02020603050405020304" pitchFamily="18" charset="0"/>
+              <a:cs typeface="Times New Roman" panose="02020603050405020304" pitchFamily="18" charset="0"/>
+            </a:endParaRPr>
+          </a:p>
+        </p:txBody>
+      </p:sp>
+      <p:sp>
+        <p:nvSpPr>
+          <p:cNvPr id="2" name="Прямоугольник 1"/>
+          <p:cNvSpPr/>
+          <p:nvPr/>
+        </p:nvSpPr>
+        <p:spPr>
+          <a:xfrm>
+            <a:off x="934891" y="1549786"/>
+            <a:ext cx="10322218" cy="4524315"/>
+          </a:xfrm>
+          <a:prstGeom prst="rect">
+            <a:avLst/>
+          </a:prstGeom>
+        </p:spPr>
+        <p:txBody>
+          <a:bodyPr wrap="square">
+            <a:spAutoFit/>
+          </a:bodyPr>
+          <a:lstStyle/>
+          <a:p>
+            <a:pPr marL="449580" indent="635" algn="just">
+              <a:lnSpc>
+                <a:spcPct val="150000"/>
+              </a:lnSpc>
+              <a:spcAft>
+                <a:spcPts val="0"/>
+              </a:spcAft>
+            </a:pPr>
+            <a:r>
+              <a:rPr lang="ru-RU" sz="2400" i="1" dirty="0">
+                <a:solidFill>
+                  <a:schemeClr val="bg2">
+                    <a:lumMod val="90000"/>
+                  </a:schemeClr>
+                </a:solidFill>
+                <a:latin typeface="Times New Roman" panose="02020603050405020304" pitchFamily="18" charset="0"/>
+                <a:ea typeface="Calibri" panose="020F0502020204030204" pitchFamily="34" charset="0"/>
+              </a:rPr>
+              <a:t>Шаг 1</a:t>
+            </a:r>
+            <a:r>
+              <a:rPr lang="ru-RU" sz="2400" dirty="0">
+                <a:solidFill>
+                  <a:schemeClr val="bg2">
+                    <a:lumMod val="90000"/>
+                  </a:schemeClr>
+                </a:solidFill>
+                <a:latin typeface="Times New Roman" panose="02020603050405020304" pitchFamily="18" charset="0"/>
+                <a:ea typeface="Calibri" panose="020F0502020204030204" pitchFamily="34" charset="0"/>
+              </a:rPr>
+              <a:t>. Считать содержимое файл классов и объединить ключевые слова в единый список, предварительно определив основу каждого слова;</a:t>
+            </a:r>
+          </a:p>
+          <a:p>
+            <a:pPr marL="449580" indent="635" algn="just">
+              <a:lnSpc>
+                <a:spcPct val="150000"/>
+              </a:lnSpc>
+              <a:spcAft>
+                <a:spcPts val="0"/>
+              </a:spcAft>
+            </a:pPr>
+            <a:r>
+              <a:rPr lang="ru-RU" sz="2400" i="1" dirty="0">
+                <a:solidFill>
+                  <a:schemeClr val="bg2">
+                    <a:lumMod val="90000"/>
+                  </a:schemeClr>
+                </a:solidFill>
+                <a:latin typeface="Times New Roman" panose="02020603050405020304" pitchFamily="18" charset="0"/>
+                <a:ea typeface="Calibri" panose="020F0502020204030204" pitchFamily="34" charset="0"/>
+              </a:rPr>
+              <a:t>Шаг 2</a:t>
+            </a:r>
+            <a:r>
+              <a:rPr lang="ru-RU" sz="2400" dirty="0">
+                <a:solidFill>
+                  <a:schemeClr val="bg2">
+                    <a:lumMod val="90000"/>
+                  </a:schemeClr>
+                </a:solidFill>
+                <a:latin typeface="Times New Roman" panose="02020603050405020304" pitchFamily="18" charset="0"/>
+                <a:ea typeface="Calibri" panose="020F0502020204030204" pitchFamily="34" charset="0"/>
+              </a:rPr>
+              <a:t>. Считывать файлы, подсчитать слова, которые входят с словарь предварительно получив их основу и строим матрицу, у который по горизонтали файлы, по вертикали количество слов, входящих в словарь;</a:t>
+            </a:r>
+          </a:p>
+          <a:p>
+            <a:pPr indent="450215" algn="just">
+              <a:lnSpc>
+                <a:spcPct val="150000"/>
+              </a:lnSpc>
+              <a:spcAft>
+                <a:spcPts val="0"/>
+              </a:spcAft>
+            </a:pPr>
+            <a:r>
+              <a:rPr lang="ru-RU" sz="2400" i="1" dirty="0">
+                <a:solidFill>
+                  <a:schemeClr val="bg2">
+                    <a:lumMod val="90000"/>
+                  </a:schemeClr>
+                </a:solidFill>
+                <a:latin typeface="Times New Roman" panose="02020603050405020304" pitchFamily="18" charset="0"/>
+                <a:ea typeface="Calibri" panose="020F0502020204030204" pitchFamily="34" charset="0"/>
+              </a:rPr>
+              <a:t>Шаг 3</a:t>
+            </a:r>
+            <a:r>
+              <a:rPr lang="ru-RU" sz="2400" dirty="0">
+                <a:solidFill>
+                  <a:schemeClr val="bg2">
+                    <a:lumMod val="90000"/>
+                  </a:schemeClr>
+                </a:solidFill>
+                <a:latin typeface="Times New Roman" panose="02020603050405020304" pitchFamily="18" charset="0"/>
+                <a:ea typeface="Calibri" panose="020F0502020204030204" pitchFamily="34" charset="0"/>
+              </a:rPr>
+              <a:t>. Нормализуем матрицу;</a:t>
+            </a:r>
+          </a:p>
+          <a:p>
+            <a:pPr marL="449580" indent="635" algn="just">
+              <a:lnSpc>
+                <a:spcPct val="150000"/>
+              </a:lnSpc>
+              <a:spcAft>
+                <a:spcPts val="0"/>
+              </a:spcAft>
+            </a:pPr>
+            <a:r>
+              <a:rPr lang="ru-RU" sz="2400" i="1" dirty="0">
+                <a:solidFill>
+                  <a:schemeClr val="bg2">
+                    <a:lumMod val="90000"/>
+                  </a:schemeClr>
+                </a:solidFill>
+                <a:latin typeface="Times New Roman" panose="02020603050405020304" pitchFamily="18" charset="0"/>
+                <a:ea typeface="Calibri" panose="020F0502020204030204" pitchFamily="34" charset="0"/>
+              </a:rPr>
+              <a:t>Шаг 4. </a:t>
+            </a:r>
+            <a:r>
+              <a:rPr lang="ru-RU" sz="2400" dirty="0" smtClean="0">
+                <a:solidFill>
+                  <a:schemeClr val="bg2">
+                    <a:lumMod val="90000"/>
+                  </a:schemeClr>
+                </a:solidFill>
+                <a:latin typeface="Times New Roman" panose="02020603050405020304" pitchFamily="18" charset="0"/>
+                <a:ea typeface="Calibri" panose="020F0502020204030204" pitchFamily="34" charset="0"/>
+              </a:rPr>
+              <a:t>Сравниваем </a:t>
+            </a:r>
+            <a:r>
+              <a:rPr lang="ru-RU" sz="2400" dirty="0">
+                <a:solidFill>
+                  <a:schemeClr val="bg2">
+                    <a:lumMod val="90000"/>
+                  </a:schemeClr>
+                </a:solidFill>
+                <a:latin typeface="Times New Roman" panose="02020603050405020304" pitchFamily="18" charset="0"/>
+                <a:ea typeface="Calibri" panose="020F0502020204030204" pitchFamily="34" charset="0"/>
+              </a:rPr>
+              <a:t>расстояния </a:t>
+            </a:r>
+            <a:r>
+              <a:rPr lang="en-US" sz="2400" i="1" dirty="0" err="1">
+                <a:solidFill>
+                  <a:schemeClr val="bg2">
+                    <a:lumMod val="90000"/>
+                  </a:schemeClr>
+                </a:solidFill>
+                <a:latin typeface="Times New Roman" panose="02020603050405020304" pitchFamily="18" charset="0"/>
+                <a:ea typeface="Calibri" panose="020F0502020204030204" pitchFamily="34" charset="0"/>
+              </a:rPr>
+              <a:t>i</a:t>
+            </a:r>
+            <a:r>
+              <a:rPr lang="ru-RU" sz="2400" dirty="0">
+                <a:solidFill>
+                  <a:schemeClr val="bg2">
+                    <a:lumMod val="90000"/>
+                  </a:schemeClr>
+                </a:solidFill>
+                <a:latin typeface="Times New Roman" panose="02020603050405020304" pitchFamily="18" charset="0"/>
+                <a:ea typeface="Calibri" panose="020F0502020204030204" pitchFamily="34" charset="0"/>
+              </a:rPr>
+              <a:t>-го документа с </a:t>
+            </a:r>
+            <a:r>
+              <a:rPr lang="en-US" sz="2400" i="1" dirty="0">
+                <a:solidFill>
+                  <a:schemeClr val="bg2">
+                    <a:lumMod val="90000"/>
+                  </a:schemeClr>
+                </a:solidFill>
+                <a:latin typeface="Times New Roman" panose="02020603050405020304" pitchFamily="18" charset="0"/>
+                <a:ea typeface="Calibri" panose="020F0502020204030204" pitchFamily="34" charset="0"/>
+              </a:rPr>
+              <a:t>j</a:t>
+            </a:r>
+            <a:r>
+              <a:rPr lang="ru-RU" sz="2400" dirty="0">
+                <a:solidFill>
+                  <a:schemeClr val="bg2">
+                    <a:lumMod val="90000"/>
+                  </a:schemeClr>
+                </a:solidFill>
+                <a:latin typeface="Times New Roman" panose="02020603050405020304" pitchFamily="18" charset="0"/>
+                <a:ea typeface="Calibri" panose="020F0502020204030204" pitchFamily="34" charset="0"/>
+              </a:rPr>
+              <a:t>-ой группой и определяем самою подходящую.</a:t>
+            </a:r>
+          </a:p>
+        </p:txBody>
+      </p:sp>
+    </p:spTree>
+    <p:extLst>
+      <p:ext uri="{BB962C8B-B14F-4D97-AF65-F5344CB8AC3E}">
+        <p14:creationId xmlns:p14="http://schemas.microsoft.com/office/powerpoint/2010/main" val="1249290953"/>
       </p:ext>
     </p:extLst>
   </p:cSld>

--- a/docs/Презентация.pptx
+++ b/docs/Презентация.pptx
@@ -1406,7 +1406,6 @@
           </a:p>
         </c:rich>
       </c:tx>
-      <c:layout/>
       <c:overlay val="0"/>
       <c:spPr>
         <a:noFill/>
@@ -2256,7 +2255,6 @@
               </a:p>
             </c:rich>
           </c:tx>
-          <c:layout/>
           <c:overlay val="0"/>
           <c:spPr>
             <a:noFill/>
@@ -2368,7 +2366,6 @@
               </a:p>
             </c:rich>
           </c:tx>
-          <c:layout/>
           <c:overlay val="0"/>
           <c:spPr>
             <a:noFill/>
@@ -2534,7 +2531,6 @@
           </a:p>
         </c:rich>
       </c:tx>
-      <c:layout/>
       <c:overlay val="0"/>
       <c:spPr>
         <a:noFill/>
@@ -2867,7 +2863,6 @@
               </a:p>
             </c:rich>
           </c:tx>
-          <c:layout/>
           <c:overlay val="0"/>
           <c:spPr>
             <a:noFill/>
@@ -2979,7 +2974,6 @@
               </a:p>
             </c:rich>
           </c:tx>
-          <c:layout/>
           <c:overlay val="0"/>
           <c:spPr>
             <a:noFill/>
@@ -3145,7 +3139,6 @@
           </a:p>
         </c:rich>
       </c:tx>
-      <c:layout/>
       <c:overlay val="0"/>
       <c:spPr>
         <a:noFill/>
@@ -3429,7 +3422,6 @@
               </a:p>
             </c:rich>
           </c:tx>
-          <c:layout/>
           <c:overlay val="0"/>
           <c:spPr>
             <a:noFill/>
@@ -3547,7 +3539,6 @@
               </a:p>
             </c:rich>
           </c:tx>
-          <c:layout/>
           <c:overlay val="0"/>
           <c:spPr>
             <a:noFill/>
@@ -3709,7 +3700,6 @@
           </a:p>
         </c:rich>
       </c:tx>
-      <c:layout/>
       <c:overlay val="0"/>
       <c:spPr>
         <a:noFill/>
@@ -4037,7 +4027,6 @@
               </a:p>
             </c:rich>
           </c:tx>
-          <c:layout/>
           <c:overlay val="0"/>
           <c:spPr>
             <a:noFill/>
@@ -4149,7 +4138,6 @@
               </a:p>
             </c:rich>
           </c:tx>
-          <c:layout/>
           <c:overlay val="0"/>
           <c:spPr>
             <a:noFill/>
@@ -4311,7 +4299,6 @@
           </a:p>
         </c:rich>
       </c:tx>
-      <c:layout/>
       <c:overlay val="0"/>
       <c:spPr>
         <a:noFill/>
@@ -4493,7 +4480,6 @@
               </a:p>
             </c:rich>
           </c:tx>
-          <c:layout/>
           <c:overlay val="0"/>
           <c:spPr>
             <a:noFill/>
@@ -4605,7 +4591,6 @@
               </a:p>
             </c:rich>
           </c:tx>
-          <c:layout/>
           <c:overlay val="0"/>
           <c:spPr>
             <a:noFill/>
@@ -4767,7 +4752,6 @@
           </a:p>
         </c:rich>
       </c:tx>
-      <c:layout/>
       <c:overlay val="0"/>
       <c:spPr>
         <a:noFill/>
@@ -4997,7 +4981,6 @@
               </a:p>
             </c:rich>
           </c:tx>
-          <c:layout/>
           <c:overlay val="0"/>
           <c:spPr>
             <a:noFill/>
@@ -5109,7 +5092,6 @@
               </a:p>
             </c:rich>
           </c:tx>
-          <c:layout/>
           <c:overlay val="0"/>
           <c:spPr>
             <a:noFill/>
@@ -23274,7 +23256,7 @@
         <p:spPr>
           <a:xfrm>
             <a:off x="2131499" y="1602184"/>
-            <a:ext cx="7659232" cy="1200329"/>
+            <a:ext cx="7659232" cy="646331"/>
           </a:xfrm>
           <a:prstGeom prst="rect">
             <a:avLst/>
@@ -23316,7 +23298,7 @@
                 <a:latin typeface="Times New Roman" panose="02020603050405020304" pitchFamily="18" charset="0"/>
                 <a:ea typeface="Calibri" panose="020F0502020204030204" pitchFamily="34" charset="0"/>
               </a:rPr>
-              <a:t>Определяем группу выбранного документа по </a:t>
+              <a:t>Определяем группу выбранного </a:t>
             </a:r>
             <a:r>
               <a:rPr lang="ru-RU" sz="2400" dirty="0" smtClean="0">
@@ -23328,8 +23310,17 @@
                 <a:latin typeface="Times New Roman" panose="02020603050405020304" pitchFamily="18" charset="0"/>
                 <a:ea typeface="Calibri" panose="020F0502020204030204" pitchFamily="34" charset="0"/>
               </a:rPr>
-              <a:t>формуле:</a:t>
+              <a:t>документа:</a:t>
             </a:r>
+            <a:endParaRPr lang="ru-RU" sz="2400" dirty="0" smtClean="0">
+              <a:solidFill>
+                <a:schemeClr val="bg2">
+                  <a:lumMod val="90000"/>
+                </a:schemeClr>
+              </a:solidFill>
+              <a:latin typeface="Times New Roman" panose="02020603050405020304" pitchFamily="18" charset="0"/>
+              <a:ea typeface="Calibri" panose="020F0502020204030204" pitchFamily="34" charset="0"/>
+            </a:endParaRPr>
           </a:p>
         </p:txBody>
       </p:sp>
@@ -23342,14 +23333,14 @@
           <p:nvPr>
             <p:extLst>
               <p:ext uri="{D42A27DB-BD31-4B8C-83A1-F6EECF244321}">
-                <p14:modId xmlns:p14="http://schemas.microsoft.com/office/powerpoint/2010/main" val="3656565812"/>
+                <p14:modId xmlns:p14="http://schemas.microsoft.com/office/powerpoint/2010/main" val="4163743392"/>
               </p:ext>
             </p:extLst>
           </p:nvPr>
         </p:nvGraphicFramePr>
         <p:xfrm>
-          <a:off x="536868" y="3085006"/>
-          <a:ext cx="5275458" cy="2758342"/>
+          <a:off x="573082" y="3085006"/>
+          <a:ext cx="5646649" cy="2758342"/>
         </p:xfrm>
         <a:graphic>
           <a:graphicData uri="http://schemas.openxmlformats.org/drawingml/2006/table">
@@ -23358,28 +23349,28 @@
                 <a:tableStyleId>{F5AB1C69-6EDB-4FF4-983F-18BD219EF322}</a:tableStyleId>
               </a:tblPr>
               <a:tblGrid>
-                <a:gridCol w="1753659">
+                <a:gridCol w="1867358">
                   <a:extLst>
                     <a:ext uri="{9D8B030D-6E8A-4147-A177-3AD203B41FA5}">
                       <a16:colId xmlns:a16="http://schemas.microsoft.com/office/drawing/2014/main" val="2868829248"/>
                     </a:ext>
                   </a:extLst>
                 </a:gridCol>
-                <a:gridCol w="1262240">
+                <a:gridCol w="1366358">
                   <a:extLst>
                     <a:ext uri="{9D8B030D-6E8A-4147-A177-3AD203B41FA5}">
                       <a16:colId xmlns:a16="http://schemas.microsoft.com/office/drawing/2014/main" val="2435397843"/>
                     </a:ext>
                   </a:extLst>
                 </a:gridCol>
-                <a:gridCol w="1280130">
+                <a:gridCol w="1376049">
                   <a:extLst>
                     <a:ext uri="{9D8B030D-6E8A-4147-A177-3AD203B41FA5}">
                       <a16:colId xmlns:a16="http://schemas.microsoft.com/office/drawing/2014/main" val="2534336261"/>
                     </a:ext>
                   </a:extLst>
                 </a:gridCol>
-                <a:gridCol w="979429">
+                <a:gridCol w="1036884">
                   <a:extLst>
                     <a:ext uri="{9D8B030D-6E8A-4147-A177-3AD203B41FA5}">
                       <a16:colId xmlns:a16="http://schemas.microsoft.com/office/drawing/2014/main" val="1231489489"/>
@@ -24856,8 +24847,8 @@
         </p:nvSpPr>
         <p:spPr>
           <a:xfrm>
-            <a:off x="6878195" y="1239802"/>
-            <a:ext cx="3482172" cy="461665"/>
+            <a:off x="7117086" y="1241519"/>
+            <a:ext cx="3495765" cy="461665"/>
           </a:xfrm>
           <a:prstGeom prst="rect">
             <a:avLst/>
@@ -24871,6 +24862,19 @@
           <a:p>
             <a:pPr algn="ctr"/>
             <a:r>
+              <a:rPr lang="ru-RU" sz="2400" dirty="0" smtClean="0">
+                <a:ln w="0"/>
+                <a:solidFill>
+                  <a:schemeClr val="bg2">
+                    <a:lumMod val="90000"/>
+                  </a:schemeClr>
+                </a:solidFill>
+                <a:latin typeface="Times New Roman" panose="02020603050405020304" pitchFamily="18" charset="0"/>
+                <a:cs typeface="Times New Roman" panose="02020603050405020304" pitchFamily="18" charset="0"/>
+              </a:rPr>
+              <a:t>Режим </a:t>
+            </a:r>
+            <a:r>
               <a:rPr lang="ru-RU" sz="2400" dirty="0">
                 <a:ln w="0"/>
                 <a:solidFill>
@@ -24881,7 +24885,7 @@
                 <a:latin typeface="Times New Roman" panose="02020603050405020304" pitchFamily="18" charset="0"/>
                 <a:cs typeface="Times New Roman" panose="02020603050405020304" pitchFamily="18" charset="0"/>
               </a:rPr>
-              <a:t>режим «Классификация»</a:t>
+              <a:t>«Классификация»</a:t>
             </a:r>
             <a:endParaRPr lang="ru-RU" sz="2400" dirty="0">
               <a:ln w="0"/>
@@ -24935,7 +24939,7 @@
         </p:nvSpPr>
         <p:spPr>
           <a:xfrm>
-            <a:off x="935877" y="1285967"/>
+            <a:off x="1474867" y="1255788"/>
             <a:ext cx="4087536" cy="461665"/>
           </a:xfrm>
           <a:prstGeom prst="rect">
@@ -24959,7 +24963,33 @@
                 <a:latin typeface="Times New Roman" panose="02020603050405020304" pitchFamily="18" charset="0"/>
                 <a:cs typeface="Times New Roman" panose="02020603050405020304" pitchFamily="18" charset="0"/>
               </a:rPr>
-              <a:t>режим «Кластеризация»</a:t>
+              <a:t>Р</a:t>
+            </a:r>
+            <a:r>
+              <a:rPr lang="ru-RU" sz="2400" dirty="0" smtClean="0">
+                <a:ln w="0"/>
+                <a:solidFill>
+                  <a:schemeClr val="bg2">
+                    <a:lumMod val="90000"/>
+                  </a:schemeClr>
+                </a:solidFill>
+                <a:latin typeface="Times New Roman" panose="02020603050405020304" pitchFamily="18" charset="0"/>
+                <a:cs typeface="Times New Roman" panose="02020603050405020304" pitchFamily="18" charset="0"/>
+              </a:rPr>
+              <a:t>ежим </a:t>
+            </a:r>
+            <a:r>
+              <a:rPr lang="ru-RU" sz="2400" dirty="0">
+                <a:ln w="0"/>
+                <a:solidFill>
+                  <a:schemeClr val="bg2">
+                    <a:lumMod val="90000"/>
+                  </a:schemeClr>
+                </a:solidFill>
+                <a:latin typeface="Times New Roman" panose="02020603050405020304" pitchFamily="18" charset="0"/>
+                <a:cs typeface="Times New Roman" panose="02020603050405020304" pitchFamily="18" charset="0"/>
+              </a:rPr>
+              <a:t>«Кластеризация»</a:t>
             </a:r>
             <a:endParaRPr lang="ru-RU" sz="2400" dirty="0"/>
           </a:p>
@@ -26536,7 +26566,7 @@
         </p:nvSpPr>
         <p:spPr>
           <a:xfrm>
-            <a:off x="2575527" y="1544281"/>
+            <a:off x="4322846" y="1489961"/>
             <a:ext cx="2690737" cy="461665"/>
           </a:xfrm>
           <a:prstGeom prst="rect">
